--- a/tests/pptx/phl_with_flextable.pptx
+++ b/tests/pptx/phl_with_flextable.pptx
@@ -2231,8 +2231,8 @@
             <a:tbl>
               <a:tblPr/>
               <a:tblGrid>
-                <a:gridCol w="5528777"/>
-                <a:gridCol w="3112303"/>
+                <a:gridCol w="4384610"/>
+                <a:gridCol w="4256470"/>
               </a:tblGrid>
               <a:tr h="632460">
                 <a:tc>
@@ -2240,15 +2240,15 @@
                     <a:bodyPr/>
                     <a:lstStyle/>
                     <a:p>
-                      <a:pPr algn="l" marL="38100" marR="38100">
+                      <a:pPr algn="l" marL="63500" marR="63500">
                         <a:lnSpc>
                           <a:spcPct val="100000"/>
                         </a:lnSpc>
                         <a:spcBef>
-                          <a:spcPts val="300"/>
+                          <a:spcPts val="500"/>
                         </a:spcBef>
                         <a:spcAft>
-                          <a:spcPts val="300"/>
+                          <a:spcPts val="500"/>
                         </a:spcAft>
                         <a:buNone/>
                       </a:pPr>
@@ -2261,6 +2261,8 @@
                           </a:solidFill>
                           <a:latin typeface="DejaVu Sans"/>
                           <a:cs typeface="DejaVu Sans"/>
+                          <a:ea typeface="DejaVu Sans"/>
+                          <a:sym typeface="DejaVu Sans"/>
                         </a:rPr>
                         <a:t>cut</a:t>
                       </a:r>
@@ -2285,7 +2287,7 @@
                     </a:lnR>
                     <a:lnT w="25400" cmpd="sng" algn="ctr" cap="flat">
                       <a:solidFill>
-                        <a:srgbClr val="000000">
+                        <a:srgbClr val="666666">
                           <a:alpha val="100000"/>
                         </a:srgbClr>
                       </a:solidFill>
@@ -2293,7 +2295,7 @@
                     </a:lnT>
                     <a:lnB w="25400" cmpd="sng" algn="ctr" cap="flat">
                       <a:solidFill>
-                        <a:srgbClr val="000000">
+                        <a:srgbClr val="666666">
                           <a:alpha val="100000"/>
                         </a:srgbClr>
                       </a:solidFill>
@@ -2306,15 +2308,15 @@
                     <a:bodyPr/>
                     <a:lstStyle/>
                     <a:p>
-                      <a:pPr algn="r" marL="38100" marR="38100">
+                      <a:pPr algn="r" marL="63500" marR="63500">
                         <a:lnSpc>
                           <a:spcPct val="100000"/>
                         </a:lnSpc>
                         <a:spcBef>
-                          <a:spcPts val="300"/>
+                          <a:spcPts val="500"/>
                         </a:spcBef>
                         <a:spcAft>
-                          <a:spcPts val="300"/>
+                          <a:spcPts val="500"/>
                         </a:spcAft>
                         <a:buNone/>
                       </a:pPr>
@@ -2327,6 +2329,8 @@
                           </a:solidFill>
                           <a:latin typeface="DejaVu Sans"/>
                           <a:cs typeface="DejaVu Sans"/>
+                          <a:ea typeface="DejaVu Sans"/>
+                          <a:sym typeface="DejaVu Sans"/>
                         </a:rPr>
                         <a:t>Price</a:t>
                       </a:r>
@@ -2351,7 +2355,7 @@
                     </a:lnR>
                     <a:lnT w="25400" cmpd="sng" algn="ctr" cap="flat">
                       <a:solidFill>
-                        <a:srgbClr val="000000">
+                        <a:srgbClr val="666666">
                           <a:alpha val="100000"/>
                         </a:srgbClr>
                       </a:solidFill>
@@ -2359,7 +2363,7 @@
                     </a:lnT>
                     <a:lnB w="25400" cmpd="sng" algn="ctr" cap="flat">
                       <a:solidFill>
-                        <a:srgbClr val="000000">
+                        <a:srgbClr val="666666">
                           <a:alpha val="100000"/>
                         </a:srgbClr>
                       </a:solidFill>
@@ -2374,15 +2378,15 @@
                     <a:bodyPr/>
                     <a:lstStyle/>
                     <a:p>
-                      <a:pPr algn="l" marL="38100" marR="38100">
+                      <a:pPr algn="l" marL="63500" marR="63500">
                         <a:lnSpc>
                           <a:spcPct val="100000"/>
                         </a:lnSpc>
                         <a:spcBef>
-                          <a:spcPts val="300"/>
+                          <a:spcPts val="500"/>
                         </a:spcBef>
                         <a:spcAft>
-                          <a:spcPts val="300"/>
+                          <a:spcPts val="500"/>
                         </a:spcAft>
                         <a:buNone/>
                       </a:pPr>
@@ -2395,6 +2399,8 @@
                           </a:solidFill>
                           <a:latin typeface="DejaVu Sans"/>
                           <a:cs typeface="DejaVu Sans"/>
+                          <a:ea typeface="DejaVu Sans"/>
+                          <a:sym typeface="DejaVu Sans"/>
                         </a:rPr>
                         <a:t>Fair</a:t>
                       </a:r>
@@ -2440,15 +2446,15 @@
                     <a:bodyPr/>
                     <a:lstStyle/>
                     <a:p>
-                      <a:pPr algn="r" marL="38100" marR="38100">
+                      <a:pPr algn="r" marL="63500" marR="63500">
                         <a:lnSpc>
                           <a:spcPct val="100000"/>
                         </a:lnSpc>
                         <a:spcBef>
-                          <a:spcPts val="300"/>
+                          <a:spcPts val="500"/>
                         </a:spcBef>
                         <a:spcAft>
-                          <a:spcPts val="300"/>
+                          <a:spcPts val="500"/>
                         </a:spcAft>
                         <a:buNone/>
                       </a:pPr>
@@ -2461,8 +2467,10 @@
                           </a:solidFill>
                           <a:latin typeface="DejaVu Sans"/>
                           <a:cs typeface="DejaVu Sans"/>
+                          <a:ea typeface="DejaVu Sans"/>
+                          <a:sym typeface="DejaVu Sans"/>
                         </a:rPr>
-                        <a:t>8,818</a:t>
+                        <a:t>8,818.000</a:t>
                       </a:r>
                     </a:p>
                   </a:txBody>
@@ -2508,15 +2516,15 @@
                     <a:bodyPr/>
                     <a:lstStyle/>
                     <a:p>
-                      <a:pPr algn="l" marL="38100" marR="38100">
+                      <a:pPr algn="l" marL="63500" marR="63500">
                         <a:lnSpc>
                           <a:spcPct val="100000"/>
                         </a:lnSpc>
                         <a:spcBef>
-                          <a:spcPts val="300"/>
+                          <a:spcPts val="500"/>
                         </a:spcBef>
                         <a:spcAft>
-                          <a:spcPts val="300"/>
+                          <a:spcPts val="500"/>
                         </a:spcAft>
                         <a:buNone/>
                       </a:pPr>
@@ -2529,6 +2537,8 @@
                           </a:solidFill>
                           <a:latin typeface="DejaVu Sans"/>
                           <a:cs typeface="DejaVu Sans"/>
+                          <a:ea typeface="DejaVu Sans"/>
+                          <a:sym typeface="DejaVu Sans"/>
                         </a:rPr>
                         <a:t>Good</a:t>
                       </a:r>
@@ -2574,15 +2584,15 @@
                     <a:bodyPr/>
                     <a:lstStyle/>
                     <a:p>
-                      <a:pPr algn="r" marL="38100" marR="38100">
+                      <a:pPr algn="r" marL="63500" marR="63500">
                         <a:lnSpc>
                           <a:spcPct val="100000"/>
                         </a:lnSpc>
                         <a:spcBef>
-                          <a:spcPts val="300"/>
+                          <a:spcPts val="500"/>
                         </a:spcBef>
                         <a:spcAft>
-                          <a:spcPts val="300"/>
+                          <a:spcPts val="500"/>
                         </a:spcAft>
                         <a:buNone/>
                       </a:pPr>
@@ -2595,8 +2605,10 @@
                           </a:solidFill>
                           <a:latin typeface="DejaVu Sans"/>
                           <a:cs typeface="DejaVu Sans"/>
+                          <a:ea typeface="DejaVu Sans"/>
+                          <a:sym typeface="DejaVu Sans"/>
                         </a:rPr>
-                        <a:t>3,383</a:t>
+                        <a:t>3,383.125</a:t>
                       </a:r>
                     </a:p>
                   </a:txBody>
@@ -2642,15 +2654,15 @@
                     <a:bodyPr/>
                     <a:lstStyle/>
                     <a:p>
-                      <a:pPr algn="l" marL="38100" marR="38100">
+                      <a:pPr algn="l" marL="63500" marR="63500">
                         <a:lnSpc>
                           <a:spcPct val="100000"/>
                         </a:lnSpc>
                         <a:spcBef>
-                          <a:spcPts val="300"/>
+                          <a:spcPts val="500"/>
                         </a:spcBef>
                         <a:spcAft>
-                          <a:spcPts val="300"/>
+                          <a:spcPts val="500"/>
                         </a:spcAft>
                         <a:buNone/>
                       </a:pPr>
@@ -2663,6 +2675,8 @@
                           </a:solidFill>
                           <a:latin typeface="DejaVu Sans"/>
                           <a:cs typeface="DejaVu Sans"/>
+                          <a:ea typeface="DejaVu Sans"/>
+                          <a:sym typeface="DejaVu Sans"/>
                         </a:rPr>
                         <a:t>Very Good</a:t>
                       </a:r>
@@ -2708,15 +2722,15 @@
                     <a:bodyPr/>
                     <a:lstStyle/>
                     <a:p>
-                      <a:pPr algn="r" marL="38100" marR="38100">
+                      <a:pPr algn="r" marL="63500" marR="63500">
                         <a:lnSpc>
                           <a:spcPct val="100000"/>
                         </a:lnSpc>
                         <a:spcBef>
-                          <a:spcPts val="300"/>
+                          <a:spcPts val="500"/>
                         </a:spcBef>
                         <a:spcAft>
-                          <a:spcPts val="300"/>
+                          <a:spcPts val="500"/>
                         </a:spcAft>
                         <a:buNone/>
                       </a:pPr>
@@ -2729,8 +2743,10 @@
                           </a:solidFill>
                           <a:latin typeface="DejaVu Sans"/>
                           <a:cs typeface="DejaVu Sans"/>
+                          <a:ea typeface="DejaVu Sans"/>
+                          <a:sym typeface="DejaVu Sans"/>
                         </a:rPr>
-                        <a:t>4,959</a:t>
+                        <a:t>4,959.308</a:t>
                       </a:r>
                     </a:p>
                   </a:txBody>
@@ -2776,15 +2792,15 @@
                     <a:bodyPr/>
                     <a:lstStyle/>
                     <a:p>
-                      <a:pPr algn="l" marL="38100" marR="38100">
+                      <a:pPr algn="l" marL="63500" marR="63500">
                         <a:lnSpc>
                           <a:spcPct val="100000"/>
                         </a:lnSpc>
                         <a:spcBef>
-                          <a:spcPts val="300"/>
+                          <a:spcPts val="500"/>
                         </a:spcBef>
                         <a:spcAft>
-                          <a:spcPts val="300"/>
+                          <a:spcPts val="500"/>
                         </a:spcAft>
                         <a:buNone/>
                       </a:pPr>
@@ -2797,6 +2813,8 @@
                           </a:solidFill>
                           <a:latin typeface="DejaVu Sans"/>
                           <a:cs typeface="DejaVu Sans"/>
+                          <a:ea typeface="DejaVu Sans"/>
+                          <a:sym typeface="DejaVu Sans"/>
                         </a:rPr>
                         <a:t>Premium</a:t>
                       </a:r>
@@ -2842,15 +2860,15 @@
                     <a:bodyPr/>
                     <a:lstStyle/>
                     <a:p>
-                      <a:pPr algn="r" marL="38100" marR="38100">
+                      <a:pPr algn="r" marL="63500" marR="63500">
                         <a:lnSpc>
                           <a:spcPct val="100000"/>
                         </a:lnSpc>
                         <a:spcBef>
-                          <a:spcPts val="300"/>
+                          <a:spcPts val="500"/>
                         </a:spcBef>
                         <a:spcAft>
-                          <a:spcPts val="300"/>
+                          <a:spcPts val="500"/>
                         </a:spcAft>
                         <a:buNone/>
                       </a:pPr>
@@ -2863,8 +2881,10 @@
                           </a:solidFill>
                           <a:latin typeface="DejaVu Sans"/>
                           <a:cs typeface="DejaVu Sans"/>
+                          <a:ea typeface="DejaVu Sans"/>
+                          <a:sym typeface="DejaVu Sans"/>
                         </a:rPr>
-                        <a:t>6,274</a:t>
+                        <a:t>6,273.773</a:t>
                       </a:r>
                     </a:p>
                   </a:txBody>
@@ -2910,15 +2930,15 @@
                     <a:bodyPr/>
                     <a:lstStyle/>
                     <a:p>
-                      <a:pPr algn="l" marL="38100" marR="38100">
+                      <a:pPr algn="l" marL="63500" marR="63500">
                         <a:lnSpc>
                           <a:spcPct val="100000"/>
                         </a:lnSpc>
                         <a:spcBef>
-                          <a:spcPts val="300"/>
+                          <a:spcPts val="500"/>
                         </a:spcBef>
                         <a:spcAft>
-                          <a:spcPts val="300"/>
+                          <a:spcPts val="500"/>
                         </a:spcAft>
                         <a:buNone/>
                       </a:pPr>
@@ -2931,6 +2951,8 @@
                           </a:solidFill>
                           <a:latin typeface="DejaVu Sans"/>
                           <a:cs typeface="DejaVu Sans"/>
+                          <a:ea typeface="DejaVu Sans"/>
+                          <a:sym typeface="DejaVu Sans"/>
                         </a:rPr>
                         <a:t>Ideal</a:t>
                       </a:r>
@@ -2963,7 +2985,7 @@
                     </a:lnT>
                     <a:lnB w="25400" cmpd="sng" algn="ctr" cap="flat">
                       <a:solidFill>
-                        <a:srgbClr val="000000">
+                        <a:srgbClr val="666666">
                           <a:alpha val="100000"/>
                         </a:srgbClr>
                       </a:solidFill>
@@ -2976,15 +2998,15 @@
                     <a:bodyPr/>
                     <a:lstStyle/>
                     <a:p>
-                      <a:pPr algn="r" marL="38100" marR="38100">
+                      <a:pPr algn="r" marL="63500" marR="63500">
                         <a:lnSpc>
                           <a:spcPct val="100000"/>
                         </a:lnSpc>
                         <a:spcBef>
-                          <a:spcPts val="300"/>
+                          <a:spcPts val="500"/>
                         </a:spcBef>
                         <a:spcAft>
-                          <a:spcPts val="300"/>
+                          <a:spcPts val="500"/>
                         </a:spcAft>
                         <a:buNone/>
                       </a:pPr>
@@ -2997,8 +3019,10 @@
                           </a:solidFill>
                           <a:latin typeface="DejaVu Sans"/>
                           <a:cs typeface="DejaVu Sans"/>
+                          <a:ea typeface="DejaVu Sans"/>
+                          <a:sym typeface="DejaVu Sans"/>
                         </a:rPr>
-                        <a:t>2,611</a:t>
+                        <a:t>2,611.000</a:t>
                       </a:r>
                     </a:p>
                   </a:txBody>
@@ -3029,7 +3053,7 @@
                     </a:lnT>
                     <a:lnB w="25400" cmpd="sng" algn="ctr" cap="flat">
                       <a:solidFill>
-                        <a:srgbClr val="000000">
+                        <a:srgbClr val="666666">
                           <a:alpha val="100000"/>
                         </a:srgbClr>
                       </a:solidFill>
@@ -3059,8 +3083,8 @@
             <a:tbl>
               <a:tblPr/>
               <a:tblGrid>
-                <a:gridCol w="2733736"/>
-                <a:gridCol w="1563944"/>
+                <a:gridCol w="2179619"/>
+                <a:gridCol w="2118061"/>
               </a:tblGrid>
               <a:tr h="419100">
                 <a:tc>
@@ -3068,15 +3092,15 @@
                     <a:bodyPr/>
                     <a:lstStyle/>
                     <a:p>
-                      <a:pPr algn="l" marL="38100" marR="38100">
+                      <a:pPr algn="l" marL="63500" marR="63500">
                         <a:lnSpc>
                           <a:spcPct val="100000"/>
                         </a:lnSpc>
                         <a:spcBef>
-                          <a:spcPts val="300"/>
+                          <a:spcPts val="500"/>
                         </a:spcBef>
                         <a:spcAft>
-                          <a:spcPts val="300"/>
+                          <a:spcPts val="500"/>
                         </a:spcAft>
                         <a:buNone/>
                       </a:pPr>
@@ -3089,6 +3113,8 @@
                           </a:solidFill>
                           <a:latin typeface="DejaVu Sans"/>
                           <a:cs typeface="DejaVu Sans"/>
+                          <a:ea typeface="DejaVu Sans"/>
+                          <a:sym typeface="DejaVu Sans"/>
                         </a:rPr>
                         <a:t>cut</a:t>
                       </a:r>
@@ -3113,7 +3139,7 @@
                     </a:lnR>
                     <a:lnT w="25400" cmpd="sng" algn="ctr" cap="flat">
                       <a:solidFill>
-                        <a:srgbClr val="000000">
+                        <a:srgbClr val="666666">
                           <a:alpha val="100000"/>
                         </a:srgbClr>
                       </a:solidFill>
@@ -3121,7 +3147,7 @@
                     </a:lnT>
                     <a:lnB w="25400" cmpd="sng" algn="ctr" cap="flat">
                       <a:solidFill>
-                        <a:srgbClr val="000000">
+                        <a:srgbClr val="666666">
                           <a:alpha val="100000"/>
                         </a:srgbClr>
                       </a:solidFill>
@@ -3134,15 +3160,15 @@
                     <a:bodyPr/>
                     <a:lstStyle/>
                     <a:p>
-                      <a:pPr algn="r" marL="38100" marR="38100">
+                      <a:pPr algn="r" marL="63500" marR="63500">
                         <a:lnSpc>
                           <a:spcPct val="100000"/>
                         </a:lnSpc>
                         <a:spcBef>
-                          <a:spcPts val="300"/>
+                          <a:spcPts val="500"/>
                         </a:spcBef>
                         <a:spcAft>
-                          <a:spcPts val="300"/>
+                          <a:spcPts val="500"/>
                         </a:spcAft>
                         <a:buNone/>
                       </a:pPr>
@@ -3155,6 +3181,8 @@
                           </a:solidFill>
                           <a:latin typeface="DejaVu Sans"/>
                           <a:cs typeface="DejaVu Sans"/>
+                          <a:ea typeface="DejaVu Sans"/>
+                          <a:sym typeface="DejaVu Sans"/>
                         </a:rPr>
                         <a:t>Price</a:t>
                       </a:r>
@@ -3179,7 +3207,7 @@
                     </a:lnR>
                     <a:lnT w="25400" cmpd="sng" algn="ctr" cap="flat">
                       <a:solidFill>
-                        <a:srgbClr val="000000">
+                        <a:srgbClr val="666666">
                           <a:alpha val="100000"/>
                         </a:srgbClr>
                       </a:solidFill>
@@ -3187,7 +3215,7 @@
                     </a:lnT>
                     <a:lnB w="25400" cmpd="sng" algn="ctr" cap="flat">
                       <a:solidFill>
-                        <a:srgbClr val="000000">
+                        <a:srgbClr val="666666">
                           <a:alpha val="100000"/>
                         </a:srgbClr>
                       </a:solidFill>
@@ -3202,15 +3230,15 @@
                     <a:bodyPr/>
                     <a:lstStyle/>
                     <a:p>
-                      <a:pPr algn="l" marL="38100" marR="38100">
+                      <a:pPr algn="l" marL="63500" marR="63500">
                         <a:lnSpc>
                           <a:spcPct val="100000"/>
                         </a:lnSpc>
                         <a:spcBef>
-                          <a:spcPts val="300"/>
+                          <a:spcPts val="500"/>
                         </a:spcBef>
                         <a:spcAft>
-                          <a:spcPts val="300"/>
+                          <a:spcPts val="500"/>
                         </a:spcAft>
                         <a:buNone/>
                       </a:pPr>
@@ -3223,6 +3251,8 @@
                           </a:solidFill>
                           <a:latin typeface="DejaVu Sans"/>
                           <a:cs typeface="DejaVu Sans"/>
+                          <a:ea typeface="DejaVu Sans"/>
+                          <a:sym typeface="DejaVu Sans"/>
                         </a:rPr>
                         <a:t>Fair</a:t>
                       </a:r>
@@ -3268,15 +3298,15 @@
                     <a:bodyPr/>
                     <a:lstStyle/>
                     <a:p>
-                      <a:pPr algn="r" marL="38100" marR="38100">
+                      <a:pPr algn="r" marL="63500" marR="63500">
                         <a:lnSpc>
                           <a:spcPct val="100000"/>
                         </a:lnSpc>
                         <a:spcBef>
-                          <a:spcPts val="300"/>
+                          <a:spcPts val="500"/>
                         </a:spcBef>
                         <a:spcAft>
-                          <a:spcPts val="300"/>
+                          <a:spcPts val="500"/>
                         </a:spcAft>
                         <a:buNone/>
                       </a:pPr>
@@ -3289,8 +3319,10 @@
                           </a:solidFill>
                           <a:latin typeface="DejaVu Sans"/>
                           <a:cs typeface="DejaVu Sans"/>
+                          <a:ea typeface="DejaVu Sans"/>
+                          <a:sym typeface="DejaVu Sans"/>
                         </a:rPr>
-                        <a:t>8,818</a:t>
+                        <a:t>8,818.000</a:t>
                       </a:r>
                     </a:p>
                   </a:txBody>
@@ -3336,15 +3368,15 @@
                     <a:bodyPr/>
                     <a:lstStyle/>
                     <a:p>
-                      <a:pPr algn="l" marL="38100" marR="38100">
+                      <a:pPr algn="l" marL="63500" marR="63500">
                         <a:lnSpc>
                           <a:spcPct val="100000"/>
                         </a:lnSpc>
                         <a:spcBef>
-                          <a:spcPts val="300"/>
+                          <a:spcPts val="500"/>
                         </a:spcBef>
                         <a:spcAft>
-                          <a:spcPts val="300"/>
+                          <a:spcPts val="500"/>
                         </a:spcAft>
                         <a:buNone/>
                       </a:pPr>
@@ -3357,6 +3389,8 @@
                           </a:solidFill>
                           <a:latin typeface="DejaVu Sans"/>
                           <a:cs typeface="DejaVu Sans"/>
+                          <a:ea typeface="DejaVu Sans"/>
+                          <a:sym typeface="DejaVu Sans"/>
                         </a:rPr>
                         <a:t>Good</a:t>
                       </a:r>
@@ -3402,15 +3436,15 @@
                     <a:bodyPr/>
                     <a:lstStyle/>
                     <a:p>
-                      <a:pPr algn="r" marL="38100" marR="38100">
+                      <a:pPr algn="r" marL="63500" marR="63500">
                         <a:lnSpc>
                           <a:spcPct val="100000"/>
                         </a:lnSpc>
                         <a:spcBef>
-                          <a:spcPts val="300"/>
+                          <a:spcPts val="500"/>
                         </a:spcBef>
                         <a:spcAft>
-                          <a:spcPts val="300"/>
+                          <a:spcPts val="500"/>
                         </a:spcAft>
                         <a:buNone/>
                       </a:pPr>
@@ -3423,8 +3457,10 @@
                           </a:solidFill>
                           <a:latin typeface="DejaVu Sans"/>
                           <a:cs typeface="DejaVu Sans"/>
+                          <a:ea typeface="DejaVu Sans"/>
+                          <a:sym typeface="DejaVu Sans"/>
                         </a:rPr>
-                        <a:t>3,383</a:t>
+                        <a:t>3,383.125</a:t>
                       </a:r>
                     </a:p>
                   </a:txBody>
@@ -3470,15 +3506,15 @@
                     <a:bodyPr/>
                     <a:lstStyle/>
                     <a:p>
-                      <a:pPr algn="l" marL="38100" marR="38100">
+                      <a:pPr algn="l" marL="63500" marR="63500">
                         <a:lnSpc>
                           <a:spcPct val="100000"/>
                         </a:lnSpc>
                         <a:spcBef>
-                          <a:spcPts val="300"/>
+                          <a:spcPts val="500"/>
                         </a:spcBef>
                         <a:spcAft>
-                          <a:spcPts val="300"/>
+                          <a:spcPts val="500"/>
                         </a:spcAft>
                         <a:buNone/>
                       </a:pPr>
@@ -3491,6 +3527,8 @@
                           </a:solidFill>
                           <a:latin typeface="DejaVu Sans"/>
                           <a:cs typeface="DejaVu Sans"/>
+                          <a:ea typeface="DejaVu Sans"/>
+                          <a:sym typeface="DejaVu Sans"/>
                         </a:rPr>
                         <a:t>Very Good</a:t>
                       </a:r>
@@ -3536,15 +3574,15 @@
                     <a:bodyPr/>
                     <a:lstStyle/>
                     <a:p>
-                      <a:pPr algn="r" marL="38100" marR="38100">
+                      <a:pPr algn="r" marL="63500" marR="63500">
                         <a:lnSpc>
                           <a:spcPct val="100000"/>
                         </a:lnSpc>
                         <a:spcBef>
-                          <a:spcPts val="300"/>
+                          <a:spcPts val="500"/>
                         </a:spcBef>
                         <a:spcAft>
-                          <a:spcPts val="300"/>
+                          <a:spcPts val="500"/>
                         </a:spcAft>
                         <a:buNone/>
                       </a:pPr>
@@ -3557,8 +3595,10 @@
                           </a:solidFill>
                           <a:latin typeface="DejaVu Sans"/>
                           <a:cs typeface="DejaVu Sans"/>
+                          <a:ea typeface="DejaVu Sans"/>
+                          <a:sym typeface="DejaVu Sans"/>
                         </a:rPr>
-                        <a:t>4,959</a:t>
+                        <a:t>4,959.308</a:t>
                       </a:r>
                     </a:p>
                   </a:txBody>
@@ -3604,15 +3644,15 @@
                     <a:bodyPr/>
                     <a:lstStyle/>
                     <a:p>
-                      <a:pPr algn="l" marL="38100" marR="38100">
+                      <a:pPr algn="l" marL="63500" marR="63500">
                         <a:lnSpc>
                           <a:spcPct val="100000"/>
                         </a:lnSpc>
                         <a:spcBef>
-                          <a:spcPts val="300"/>
+                          <a:spcPts val="500"/>
                         </a:spcBef>
                         <a:spcAft>
-                          <a:spcPts val="300"/>
+                          <a:spcPts val="500"/>
                         </a:spcAft>
                         <a:buNone/>
                       </a:pPr>
@@ -3625,6 +3665,8 @@
                           </a:solidFill>
                           <a:latin typeface="DejaVu Sans"/>
                           <a:cs typeface="DejaVu Sans"/>
+                          <a:ea typeface="DejaVu Sans"/>
+                          <a:sym typeface="DejaVu Sans"/>
                         </a:rPr>
                         <a:t>Premium</a:t>
                       </a:r>
@@ -3670,15 +3712,15 @@
                     <a:bodyPr/>
                     <a:lstStyle/>
                     <a:p>
-                      <a:pPr algn="r" marL="38100" marR="38100">
+                      <a:pPr algn="r" marL="63500" marR="63500">
                         <a:lnSpc>
                           <a:spcPct val="100000"/>
                         </a:lnSpc>
                         <a:spcBef>
-                          <a:spcPts val="300"/>
+                          <a:spcPts val="500"/>
                         </a:spcBef>
                         <a:spcAft>
-                          <a:spcPts val="300"/>
+                          <a:spcPts val="500"/>
                         </a:spcAft>
                         <a:buNone/>
                       </a:pPr>
@@ -3691,8 +3733,10 @@
                           </a:solidFill>
                           <a:latin typeface="DejaVu Sans"/>
                           <a:cs typeface="DejaVu Sans"/>
+                          <a:ea typeface="DejaVu Sans"/>
+                          <a:sym typeface="DejaVu Sans"/>
                         </a:rPr>
-                        <a:t>6,274</a:t>
+                        <a:t>6,273.773</a:t>
                       </a:r>
                     </a:p>
                   </a:txBody>
@@ -3738,15 +3782,15 @@
                     <a:bodyPr/>
                     <a:lstStyle/>
                     <a:p>
-                      <a:pPr algn="l" marL="38100" marR="38100">
+                      <a:pPr algn="l" marL="63500" marR="63500">
                         <a:lnSpc>
                           <a:spcPct val="100000"/>
                         </a:lnSpc>
                         <a:spcBef>
-                          <a:spcPts val="300"/>
+                          <a:spcPts val="500"/>
                         </a:spcBef>
                         <a:spcAft>
-                          <a:spcPts val="300"/>
+                          <a:spcPts val="500"/>
                         </a:spcAft>
                         <a:buNone/>
                       </a:pPr>
@@ -3759,6 +3803,8 @@
                           </a:solidFill>
                           <a:latin typeface="DejaVu Sans"/>
                           <a:cs typeface="DejaVu Sans"/>
+                          <a:ea typeface="DejaVu Sans"/>
+                          <a:sym typeface="DejaVu Sans"/>
                         </a:rPr>
                         <a:t>Ideal</a:t>
                       </a:r>
@@ -3791,7 +3837,7 @@
                     </a:lnT>
                     <a:lnB w="25400" cmpd="sng" algn="ctr" cap="flat">
                       <a:solidFill>
-                        <a:srgbClr val="000000">
+                        <a:srgbClr val="666666">
                           <a:alpha val="100000"/>
                         </a:srgbClr>
                       </a:solidFill>
@@ -3804,15 +3850,15 @@
                     <a:bodyPr/>
                     <a:lstStyle/>
                     <a:p>
-                      <a:pPr algn="r" marL="38100" marR="38100">
+                      <a:pPr algn="r" marL="63500" marR="63500">
                         <a:lnSpc>
                           <a:spcPct val="100000"/>
                         </a:lnSpc>
                         <a:spcBef>
-                          <a:spcPts val="300"/>
+                          <a:spcPts val="500"/>
                         </a:spcBef>
                         <a:spcAft>
-                          <a:spcPts val="300"/>
+                          <a:spcPts val="500"/>
                         </a:spcAft>
                         <a:buNone/>
                       </a:pPr>
@@ -3825,8 +3871,10 @@
                           </a:solidFill>
                           <a:latin typeface="DejaVu Sans"/>
                           <a:cs typeface="DejaVu Sans"/>
+                          <a:ea typeface="DejaVu Sans"/>
+                          <a:sym typeface="DejaVu Sans"/>
                         </a:rPr>
-                        <a:t>2,611</a:t>
+                        <a:t>2,611.000</a:t>
                       </a:r>
                     </a:p>
                   </a:txBody>
@@ -3857,7 +3905,7 @@
                     </a:lnT>
                     <a:lnB w="25400" cmpd="sng" algn="ctr" cap="flat">
                       <a:solidFill>
-                        <a:srgbClr val="000000">
+                        <a:srgbClr val="666666">
                           <a:alpha val="100000"/>
                         </a:srgbClr>
                       </a:solidFill>
@@ -3887,8 +3935,8 @@
             <a:tbl>
               <a:tblPr/>
               <a:tblGrid>
-                <a:gridCol w="2733736"/>
-                <a:gridCol w="1563944"/>
+                <a:gridCol w="2179619"/>
+                <a:gridCol w="2118061"/>
               </a:tblGrid>
               <a:tr h="419100">
                 <a:tc>
@@ -3896,15 +3944,15 @@
                     <a:bodyPr/>
                     <a:lstStyle/>
                     <a:p>
-                      <a:pPr algn="l" marL="38100" marR="38100">
+                      <a:pPr algn="l" marL="63500" marR="63500">
                         <a:lnSpc>
                           <a:spcPct val="100000"/>
                         </a:lnSpc>
                         <a:spcBef>
-                          <a:spcPts val="300"/>
+                          <a:spcPts val="500"/>
                         </a:spcBef>
                         <a:spcAft>
-                          <a:spcPts val="300"/>
+                          <a:spcPts val="500"/>
                         </a:spcAft>
                         <a:buNone/>
                       </a:pPr>
@@ -3917,6 +3965,8 @@
                           </a:solidFill>
                           <a:latin typeface="DejaVu Sans"/>
                           <a:cs typeface="DejaVu Sans"/>
+                          <a:ea typeface="DejaVu Sans"/>
+                          <a:sym typeface="DejaVu Sans"/>
                         </a:rPr>
                         <a:t>cut</a:t>
                       </a:r>
@@ -3941,7 +3991,7 @@
                     </a:lnR>
                     <a:lnT w="25400" cmpd="sng" algn="ctr" cap="flat">
                       <a:solidFill>
-                        <a:srgbClr val="000000">
+                        <a:srgbClr val="666666">
                           <a:alpha val="100000"/>
                         </a:srgbClr>
                       </a:solidFill>
@@ -3949,7 +3999,7 @@
                     </a:lnT>
                     <a:lnB w="25400" cmpd="sng" algn="ctr" cap="flat">
                       <a:solidFill>
-                        <a:srgbClr val="000000">
+                        <a:srgbClr val="666666">
                           <a:alpha val="100000"/>
                         </a:srgbClr>
                       </a:solidFill>
@@ -3962,15 +4012,15 @@
                     <a:bodyPr/>
                     <a:lstStyle/>
                     <a:p>
-                      <a:pPr algn="r" marL="38100" marR="38100">
+                      <a:pPr algn="r" marL="63500" marR="63500">
                         <a:lnSpc>
                           <a:spcPct val="100000"/>
                         </a:lnSpc>
                         <a:spcBef>
-                          <a:spcPts val="300"/>
+                          <a:spcPts val="500"/>
                         </a:spcBef>
                         <a:spcAft>
-                          <a:spcPts val="300"/>
+                          <a:spcPts val="500"/>
                         </a:spcAft>
                         <a:buNone/>
                       </a:pPr>
@@ -3983,6 +4033,8 @@
                           </a:solidFill>
                           <a:latin typeface="DejaVu Sans"/>
                           <a:cs typeface="DejaVu Sans"/>
+                          <a:ea typeface="DejaVu Sans"/>
+                          <a:sym typeface="DejaVu Sans"/>
                         </a:rPr>
                         <a:t>Price</a:t>
                       </a:r>
@@ -4007,7 +4059,7 @@
                     </a:lnR>
                     <a:lnT w="25400" cmpd="sng" algn="ctr" cap="flat">
                       <a:solidFill>
-                        <a:srgbClr val="000000">
+                        <a:srgbClr val="666666">
                           <a:alpha val="100000"/>
                         </a:srgbClr>
                       </a:solidFill>
@@ -4015,7 +4067,7 @@
                     </a:lnT>
                     <a:lnB w="25400" cmpd="sng" algn="ctr" cap="flat">
                       <a:solidFill>
-                        <a:srgbClr val="000000">
+                        <a:srgbClr val="666666">
                           <a:alpha val="100000"/>
                         </a:srgbClr>
                       </a:solidFill>
@@ -4030,15 +4082,15 @@
                     <a:bodyPr/>
                     <a:lstStyle/>
                     <a:p>
-                      <a:pPr algn="l" marL="38100" marR="38100">
+                      <a:pPr algn="l" marL="63500" marR="63500">
                         <a:lnSpc>
                           <a:spcPct val="100000"/>
                         </a:lnSpc>
                         <a:spcBef>
-                          <a:spcPts val="300"/>
+                          <a:spcPts val="500"/>
                         </a:spcBef>
                         <a:spcAft>
-                          <a:spcPts val="300"/>
+                          <a:spcPts val="500"/>
                         </a:spcAft>
                         <a:buNone/>
                       </a:pPr>
@@ -4051,6 +4103,8 @@
                           </a:solidFill>
                           <a:latin typeface="DejaVu Sans"/>
                           <a:cs typeface="DejaVu Sans"/>
+                          <a:ea typeface="DejaVu Sans"/>
+                          <a:sym typeface="DejaVu Sans"/>
                         </a:rPr>
                         <a:t>Fair</a:t>
                       </a:r>
@@ -4096,15 +4150,15 @@
                     <a:bodyPr/>
                     <a:lstStyle/>
                     <a:p>
-                      <a:pPr algn="r" marL="38100" marR="38100">
+                      <a:pPr algn="r" marL="63500" marR="63500">
                         <a:lnSpc>
                           <a:spcPct val="100000"/>
                         </a:lnSpc>
                         <a:spcBef>
-                          <a:spcPts val="300"/>
+                          <a:spcPts val="500"/>
                         </a:spcBef>
                         <a:spcAft>
-                          <a:spcPts val="300"/>
+                          <a:spcPts val="500"/>
                         </a:spcAft>
                         <a:buNone/>
                       </a:pPr>
@@ -4117,8 +4171,10 @@
                           </a:solidFill>
                           <a:latin typeface="DejaVu Sans"/>
                           <a:cs typeface="DejaVu Sans"/>
+                          <a:ea typeface="DejaVu Sans"/>
+                          <a:sym typeface="DejaVu Sans"/>
                         </a:rPr>
-                        <a:t>8,818</a:t>
+                        <a:t>8,818.000</a:t>
                       </a:r>
                     </a:p>
                   </a:txBody>
@@ -4164,15 +4220,15 @@
                     <a:bodyPr/>
                     <a:lstStyle/>
                     <a:p>
-                      <a:pPr algn="l" marL="38100" marR="38100">
+                      <a:pPr algn="l" marL="63500" marR="63500">
                         <a:lnSpc>
                           <a:spcPct val="100000"/>
                         </a:lnSpc>
                         <a:spcBef>
-                          <a:spcPts val="300"/>
+                          <a:spcPts val="500"/>
                         </a:spcBef>
                         <a:spcAft>
-                          <a:spcPts val="300"/>
+                          <a:spcPts val="500"/>
                         </a:spcAft>
                         <a:buNone/>
                       </a:pPr>
@@ -4185,6 +4241,8 @@
                           </a:solidFill>
                           <a:latin typeface="DejaVu Sans"/>
                           <a:cs typeface="DejaVu Sans"/>
+                          <a:ea typeface="DejaVu Sans"/>
+                          <a:sym typeface="DejaVu Sans"/>
                         </a:rPr>
                         <a:t>Good</a:t>
                       </a:r>
@@ -4230,15 +4288,15 @@
                     <a:bodyPr/>
                     <a:lstStyle/>
                     <a:p>
-                      <a:pPr algn="r" marL="38100" marR="38100">
+                      <a:pPr algn="r" marL="63500" marR="63500">
                         <a:lnSpc>
                           <a:spcPct val="100000"/>
                         </a:lnSpc>
                         <a:spcBef>
-                          <a:spcPts val="300"/>
+                          <a:spcPts val="500"/>
                         </a:spcBef>
                         <a:spcAft>
-                          <a:spcPts val="300"/>
+                          <a:spcPts val="500"/>
                         </a:spcAft>
                         <a:buNone/>
                       </a:pPr>
@@ -4251,8 +4309,10 @@
                           </a:solidFill>
                           <a:latin typeface="DejaVu Sans"/>
                           <a:cs typeface="DejaVu Sans"/>
+                          <a:ea typeface="DejaVu Sans"/>
+                          <a:sym typeface="DejaVu Sans"/>
                         </a:rPr>
-                        <a:t>3,383</a:t>
+                        <a:t>3,383.125</a:t>
                       </a:r>
                     </a:p>
                   </a:txBody>
@@ -4298,15 +4358,15 @@
                     <a:bodyPr/>
                     <a:lstStyle/>
                     <a:p>
-                      <a:pPr algn="l" marL="38100" marR="38100">
+                      <a:pPr algn="l" marL="63500" marR="63500">
                         <a:lnSpc>
                           <a:spcPct val="100000"/>
                         </a:lnSpc>
                         <a:spcBef>
-                          <a:spcPts val="300"/>
+                          <a:spcPts val="500"/>
                         </a:spcBef>
                         <a:spcAft>
-                          <a:spcPts val="300"/>
+                          <a:spcPts val="500"/>
                         </a:spcAft>
                         <a:buNone/>
                       </a:pPr>
@@ -4319,6 +4379,8 @@
                           </a:solidFill>
                           <a:latin typeface="DejaVu Sans"/>
                           <a:cs typeface="DejaVu Sans"/>
+                          <a:ea typeface="DejaVu Sans"/>
+                          <a:sym typeface="DejaVu Sans"/>
                         </a:rPr>
                         <a:t>Very Good</a:t>
                       </a:r>
@@ -4364,15 +4426,15 @@
                     <a:bodyPr/>
                     <a:lstStyle/>
                     <a:p>
-                      <a:pPr algn="r" marL="38100" marR="38100">
+                      <a:pPr algn="r" marL="63500" marR="63500">
                         <a:lnSpc>
                           <a:spcPct val="100000"/>
                         </a:lnSpc>
                         <a:spcBef>
-                          <a:spcPts val="300"/>
+                          <a:spcPts val="500"/>
                         </a:spcBef>
                         <a:spcAft>
-                          <a:spcPts val="300"/>
+                          <a:spcPts val="500"/>
                         </a:spcAft>
                         <a:buNone/>
                       </a:pPr>
@@ -4385,8 +4447,10 @@
                           </a:solidFill>
                           <a:latin typeface="DejaVu Sans"/>
                           <a:cs typeface="DejaVu Sans"/>
+                          <a:ea typeface="DejaVu Sans"/>
+                          <a:sym typeface="DejaVu Sans"/>
                         </a:rPr>
-                        <a:t>4,959</a:t>
+                        <a:t>4,959.308</a:t>
                       </a:r>
                     </a:p>
                   </a:txBody>
@@ -4432,15 +4496,15 @@
                     <a:bodyPr/>
                     <a:lstStyle/>
                     <a:p>
-                      <a:pPr algn="l" marL="38100" marR="38100">
+                      <a:pPr algn="l" marL="63500" marR="63500">
                         <a:lnSpc>
                           <a:spcPct val="100000"/>
                         </a:lnSpc>
                         <a:spcBef>
-                          <a:spcPts val="300"/>
+                          <a:spcPts val="500"/>
                         </a:spcBef>
                         <a:spcAft>
-                          <a:spcPts val="300"/>
+                          <a:spcPts val="500"/>
                         </a:spcAft>
                         <a:buNone/>
                       </a:pPr>
@@ -4453,6 +4517,8 @@
                           </a:solidFill>
                           <a:latin typeface="DejaVu Sans"/>
                           <a:cs typeface="DejaVu Sans"/>
+                          <a:ea typeface="DejaVu Sans"/>
+                          <a:sym typeface="DejaVu Sans"/>
                         </a:rPr>
                         <a:t>Premium</a:t>
                       </a:r>
@@ -4498,15 +4564,15 @@
                     <a:bodyPr/>
                     <a:lstStyle/>
                     <a:p>
-                      <a:pPr algn="r" marL="38100" marR="38100">
+                      <a:pPr algn="r" marL="63500" marR="63500">
                         <a:lnSpc>
                           <a:spcPct val="100000"/>
                         </a:lnSpc>
                         <a:spcBef>
-                          <a:spcPts val="300"/>
+                          <a:spcPts val="500"/>
                         </a:spcBef>
                         <a:spcAft>
-                          <a:spcPts val="300"/>
+                          <a:spcPts val="500"/>
                         </a:spcAft>
                         <a:buNone/>
                       </a:pPr>
@@ -4519,8 +4585,10 @@
                           </a:solidFill>
                           <a:latin typeface="DejaVu Sans"/>
                           <a:cs typeface="DejaVu Sans"/>
+                          <a:ea typeface="DejaVu Sans"/>
+                          <a:sym typeface="DejaVu Sans"/>
                         </a:rPr>
-                        <a:t>6,274</a:t>
+                        <a:t>6,273.773</a:t>
                       </a:r>
                     </a:p>
                   </a:txBody>
@@ -4566,15 +4634,15 @@
                     <a:bodyPr/>
                     <a:lstStyle/>
                     <a:p>
-                      <a:pPr algn="l" marL="38100" marR="38100">
+                      <a:pPr algn="l" marL="63500" marR="63500">
                         <a:lnSpc>
                           <a:spcPct val="100000"/>
                         </a:lnSpc>
                         <a:spcBef>
-                          <a:spcPts val="300"/>
+                          <a:spcPts val="500"/>
                         </a:spcBef>
                         <a:spcAft>
-                          <a:spcPts val="300"/>
+                          <a:spcPts val="500"/>
                         </a:spcAft>
                         <a:buNone/>
                       </a:pPr>
@@ -4587,6 +4655,8 @@
                           </a:solidFill>
                           <a:latin typeface="DejaVu Sans"/>
                           <a:cs typeface="DejaVu Sans"/>
+                          <a:ea typeface="DejaVu Sans"/>
+                          <a:sym typeface="DejaVu Sans"/>
                         </a:rPr>
                         <a:t>Ideal</a:t>
                       </a:r>
@@ -4619,7 +4689,7 @@
                     </a:lnT>
                     <a:lnB w="25400" cmpd="sng" algn="ctr" cap="flat">
                       <a:solidFill>
-                        <a:srgbClr val="000000">
+                        <a:srgbClr val="666666">
                           <a:alpha val="100000"/>
                         </a:srgbClr>
                       </a:solidFill>
@@ -4632,15 +4702,15 @@
                     <a:bodyPr/>
                     <a:lstStyle/>
                     <a:p>
-                      <a:pPr algn="r" marL="38100" marR="38100">
+                      <a:pPr algn="r" marL="63500" marR="63500">
                         <a:lnSpc>
                           <a:spcPct val="100000"/>
                         </a:lnSpc>
                         <a:spcBef>
-                          <a:spcPts val="300"/>
+                          <a:spcPts val="500"/>
                         </a:spcBef>
                         <a:spcAft>
-                          <a:spcPts val="300"/>
+                          <a:spcPts val="500"/>
                         </a:spcAft>
                         <a:buNone/>
                       </a:pPr>
@@ -4653,8 +4723,10 @@
                           </a:solidFill>
                           <a:latin typeface="DejaVu Sans"/>
                           <a:cs typeface="DejaVu Sans"/>
+                          <a:ea typeface="DejaVu Sans"/>
+                          <a:sym typeface="DejaVu Sans"/>
                         </a:rPr>
-                        <a:t>2,611</a:t>
+                        <a:t>2,611.000</a:t>
                       </a:r>
                     </a:p>
                   </a:txBody>
@@ -4685,7 +4757,7 @@
                     </a:lnT>
                     <a:lnB w="25400" cmpd="sng" algn="ctr" cap="flat">
                       <a:solidFill>
-                        <a:srgbClr val="000000">
+                        <a:srgbClr val="666666">
                           <a:alpha val="100000"/>
                         </a:srgbClr>
                       </a:solidFill>

--- a/tests/pptx/phl_with_flextable.pptx
+++ b/tests/pptx/phl_with_flextable.pptx
@@ -4,7 +4,7 @@
   <p:sldMasterIdLst>
     <p:sldMasterId id="2147483648" r:id="rId1"/>
   </p:sldMasterIdLst>
-  <p:sldIdLst xmlns:a="http://schemas.openxmlformats.org/drawingml/2006/main" xmlns:r="http://schemas.openxmlformats.org/officeDocument/2006/relationships" xmlns:p="http://schemas.openxmlformats.org/presentationml/2006/main">
+  <p:sldIdLst>
     <p:sldId id="256" r:id="rId8"/>
   </p:sldIdLst>
   <p:sldSz cx="9144000" cy="6858000" type="screen4x3"/>
@@ -2214,7 +2214,7 @@
           <a:chExt cx="0" cy="0"/>
         </a:xfrm>
       </p:grpSpPr>
-      <p:graphicFrame xmlns:a="http://schemas.openxmlformats.org/drawingml/2006/main" xmlns:r="http://schemas.openxmlformats.org/officeDocument/2006/relationships" xmlns:p="http://schemas.openxmlformats.org/presentationml/2006/main">
+      <p:graphicFrame>
         <p:nvGraphicFramePr>
           <p:cNvPr id="2" name=""/>
           <p:cNvGraphicFramePr>
@@ -2253,7 +2253,7 @@
                         <a:buNone/>
                       </a:pPr>
                       <a:r>
-                        <a:rPr sz="3700">
+                        <a:rPr cap="none" sz="3700" i="0" b="0" u="none" strike="noStrike">
                           <a:solidFill>
                             <a:srgbClr val="000000">
                               <a:alpha val="100000"/>
@@ -2268,24 +2268,16 @@
                       </a:r>
                     </a:p>
                   </a:txBody>
-                  <a:tcPr anchor="ctr" marB="0" marT="0" marR="0" marL="0">
-                    <a:lnL w="0" cmpd="sng" algn="ctr" cap="flat">
-                      <a:solidFill>
-                        <a:srgbClr val="FFFFFF">
-                          <a:alpha val="0"/>
-                        </a:srgbClr>
-                      </a:solidFill>
+                  <a:tcPr anchor="ctr" marB="63500" marT="63500" marR="0" marL="0">
+                    <a:lnL algn="ctr" cmpd="sng" cap="flat" w="0">
+                      <a:noFill/>
                       <a:prstDash val="solid"/>
                     </a:lnL>
-                    <a:lnR w="0" cmpd="sng" algn="ctr" cap="flat">
-                      <a:solidFill>
-                        <a:srgbClr val="FFFFFF">
-                          <a:alpha val="0"/>
-                        </a:srgbClr>
-                      </a:solidFill>
+                    <a:lnR algn="ctr" cmpd="sng" cap="flat" w="0">
+                      <a:noFill/>
                       <a:prstDash val="solid"/>
                     </a:lnR>
-                    <a:lnT w="25400" cmpd="sng" algn="ctr" cap="flat">
+                    <a:lnT algn="ctr" cmpd="sng" cap="flat" w="19050">
                       <a:solidFill>
                         <a:srgbClr val="666666">
                           <a:alpha val="100000"/>
@@ -2293,7 +2285,7 @@
                       </a:solidFill>
                       <a:prstDash val="solid"/>
                     </a:lnT>
-                    <a:lnB w="25400" cmpd="sng" algn="ctr" cap="flat">
+                    <a:lnB algn="ctr" cmpd="sng" cap="flat" w="19050">
                       <a:solidFill>
                         <a:srgbClr val="666666">
                           <a:alpha val="100000"/>
@@ -2301,6 +2293,11 @@
                       </a:solidFill>
                       <a:prstDash val="solid"/>
                     </a:lnB>
+                    <a:solidFill>
+                      <a:srgbClr val="FFFFFF">
+                        <a:alpha val="0"/>
+                      </a:srgbClr>
+                    </a:solidFill>
                   </a:tcPr>
                 </a:tc>
                 <a:tc>
@@ -2321,7 +2318,7 @@
                         <a:buNone/>
                       </a:pPr>
                       <a:r>
-                        <a:rPr sz="3700">
+                        <a:rPr cap="none" sz="3700" i="0" b="0" u="none" strike="noStrike">
                           <a:solidFill>
                             <a:srgbClr val="000000">
                               <a:alpha val="100000"/>
@@ -2336,24 +2333,16 @@
                       </a:r>
                     </a:p>
                   </a:txBody>
-                  <a:tcPr anchor="ctr" marB="0" marT="0" marR="0" marL="0">
-                    <a:lnL w="0" cmpd="sng" algn="ctr" cap="flat">
-                      <a:solidFill>
-                        <a:srgbClr val="FFFFFF">
-                          <a:alpha val="0"/>
-                        </a:srgbClr>
-                      </a:solidFill>
+                  <a:tcPr anchor="ctr" marB="63500" marT="63500" marR="0" marL="0">
+                    <a:lnL algn="ctr" cmpd="sng" cap="flat" w="0">
+                      <a:noFill/>
                       <a:prstDash val="solid"/>
                     </a:lnL>
-                    <a:lnR w="0" cmpd="sng" algn="ctr" cap="flat">
-                      <a:solidFill>
-                        <a:srgbClr val="FFFFFF">
-                          <a:alpha val="0"/>
-                        </a:srgbClr>
-                      </a:solidFill>
+                    <a:lnR algn="ctr" cmpd="sng" cap="flat" w="0">
+                      <a:noFill/>
                       <a:prstDash val="solid"/>
                     </a:lnR>
-                    <a:lnT w="25400" cmpd="sng" algn="ctr" cap="flat">
+                    <a:lnT algn="ctr" cmpd="sng" cap="flat" w="19050">
                       <a:solidFill>
                         <a:srgbClr val="666666">
                           <a:alpha val="100000"/>
@@ -2361,7 +2350,7 @@
                       </a:solidFill>
                       <a:prstDash val="solid"/>
                     </a:lnT>
-                    <a:lnB w="25400" cmpd="sng" algn="ctr" cap="flat">
+                    <a:lnB algn="ctr" cmpd="sng" cap="flat" w="19050">
                       <a:solidFill>
                         <a:srgbClr val="666666">
                           <a:alpha val="100000"/>
@@ -2369,6 +2358,11 @@
                       </a:solidFill>
                       <a:prstDash val="solid"/>
                     </a:lnB>
+                    <a:solidFill>
+                      <a:srgbClr val="FFFFFF">
+                        <a:alpha val="0"/>
+                      </a:srgbClr>
+                    </a:solidFill>
                   </a:tcPr>
                 </a:tc>
               </a:tr>
@@ -2391,7 +2385,7 @@
                         <a:buNone/>
                       </a:pPr>
                       <a:r>
-                        <a:rPr sz="3700">
+                        <a:rPr cap="none" sz="3700" i="0" b="0" u="none" strike="noStrike">
                           <a:solidFill>
                             <a:srgbClr val="000000">
                               <a:alpha val="100000"/>
@@ -2406,39 +2400,28 @@
                       </a:r>
                     </a:p>
                   </a:txBody>
-                  <a:tcPr anchor="ctr" marB="0" marT="0" marR="0" marL="0">
-                    <a:lnL w="0" cmpd="sng" algn="ctr" cap="flat">
-                      <a:solidFill>
-                        <a:srgbClr val="FFFFFF">
-                          <a:alpha val="0"/>
-                        </a:srgbClr>
-                      </a:solidFill>
+                  <a:tcPr anchor="ctr" marB="63500" marT="63500" marR="0" marL="0">
+                    <a:lnL algn="ctr" cmpd="sng" cap="flat" w="0">
+                      <a:noFill/>
                       <a:prstDash val="solid"/>
                     </a:lnL>
-                    <a:lnR w="0" cmpd="sng" algn="ctr" cap="flat">
-                      <a:solidFill>
-                        <a:srgbClr val="FFFFFF">
-                          <a:alpha val="0"/>
-                        </a:srgbClr>
-                      </a:solidFill>
+                    <a:lnR algn="ctr" cmpd="sng" cap="flat" w="0">
+                      <a:noFill/>
                       <a:prstDash val="solid"/>
                     </a:lnR>
-                    <a:lnT w="0" cmpd="sng" algn="ctr" cap="flat">
-                      <a:solidFill>
-                        <a:srgbClr val="FFFFFF">
-                          <a:alpha val="0"/>
-                        </a:srgbClr>
-                      </a:solidFill>
+                    <a:lnT algn="ctr" cmpd="sng" cap="flat" w="0">
+                      <a:noFill/>
                       <a:prstDash val="solid"/>
                     </a:lnT>
-                    <a:lnB w="0" cmpd="sng" algn="ctr" cap="flat">
-                      <a:solidFill>
-                        <a:srgbClr val="FFFFFF">
-                          <a:alpha val="0"/>
-                        </a:srgbClr>
-                      </a:solidFill>
+                    <a:lnB algn="ctr" cmpd="sng" cap="flat" w="0">
+                      <a:noFill/>
                       <a:prstDash val="solid"/>
                     </a:lnB>
+                    <a:solidFill>
+                      <a:srgbClr val="FFFFFF">
+                        <a:alpha val="0"/>
+                      </a:srgbClr>
+                    </a:solidFill>
                   </a:tcPr>
                 </a:tc>
                 <a:tc>
@@ -2459,7 +2442,7 @@
                         <a:buNone/>
                       </a:pPr>
                       <a:r>
-                        <a:rPr sz="3700">
+                        <a:rPr cap="none" sz="3700" i="0" b="0" u="none" strike="noStrike">
                           <a:solidFill>
                             <a:srgbClr val="000000">
                               <a:alpha val="100000"/>
@@ -2474,39 +2457,28 @@
                       </a:r>
                     </a:p>
                   </a:txBody>
-                  <a:tcPr anchor="ctr" marB="0" marT="0" marR="0" marL="0">
-                    <a:lnL w="0" cmpd="sng" algn="ctr" cap="flat">
-                      <a:solidFill>
-                        <a:srgbClr val="FFFFFF">
-                          <a:alpha val="0"/>
-                        </a:srgbClr>
-                      </a:solidFill>
+                  <a:tcPr anchor="ctr" marB="63500" marT="63500" marR="0" marL="0">
+                    <a:lnL algn="ctr" cmpd="sng" cap="flat" w="0">
+                      <a:noFill/>
                       <a:prstDash val="solid"/>
                     </a:lnL>
-                    <a:lnR w="0" cmpd="sng" algn="ctr" cap="flat">
-                      <a:solidFill>
-                        <a:srgbClr val="FFFFFF">
-                          <a:alpha val="0"/>
-                        </a:srgbClr>
-                      </a:solidFill>
+                    <a:lnR algn="ctr" cmpd="sng" cap="flat" w="0">
+                      <a:noFill/>
                       <a:prstDash val="solid"/>
                     </a:lnR>
-                    <a:lnT w="0" cmpd="sng" algn="ctr" cap="flat">
-                      <a:solidFill>
-                        <a:srgbClr val="FFFFFF">
-                          <a:alpha val="0"/>
-                        </a:srgbClr>
-                      </a:solidFill>
+                    <a:lnT algn="ctr" cmpd="sng" cap="flat" w="0">
+                      <a:noFill/>
                       <a:prstDash val="solid"/>
                     </a:lnT>
-                    <a:lnB w="0" cmpd="sng" algn="ctr" cap="flat">
-                      <a:solidFill>
-                        <a:srgbClr val="FFFFFF">
-                          <a:alpha val="0"/>
-                        </a:srgbClr>
-                      </a:solidFill>
+                    <a:lnB algn="ctr" cmpd="sng" cap="flat" w="0">
+                      <a:noFill/>
                       <a:prstDash val="solid"/>
                     </a:lnB>
+                    <a:solidFill>
+                      <a:srgbClr val="FFFFFF">
+                        <a:alpha val="0"/>
+                      </a:srgbClr>
+                    </a:solidFill>
                   </a:tcPr>
                 </a:tc>
               </a:tr>
@@ -2529,7 +2501,7 @@
                         <a:buNone/>
                       </a:pPr>
                       <a:r>
-                        <a:rPr sz="3700">
+                        <a:rPr cap="none" sz="3700" i="0" b="0" u="none" strike="noStrike">
                           <a:solidFill>
                             <a:srgbClr val="000000">
                               <a:alpha val="100000"/>
@@ -2544,39 +2516,28 @@
                       </a:r>
                     </a:p>
                   </a:txBody>
-                  <a:tcPr anchor="ctr" marB="0" marT="0" marR="0" marL="0">
-                    <a:lnL w="0" cmpd="sng" algn="ctr" cap="flat">
-                      <a:solidFill>
-                        <a:srgbClr val="FFFFFF">
-                          <a:alpha val="0"/>
-                        </a:srgbClr>
-                      </a:solidFill>
+                  <a:tcPr anchor="ctr" marB="63500" marT="63500" marR="0" marL="0">
+                    <a:lnL algn="ctr" cmpd="sng" cap="flat" w="0">
+                      <a:noFill/>
                       <a:prstDash val="solid"/>
                     </a:lnL>
-                    <a:lnR w="0" cmpd="sng" algn="ctr" cap="flat">
-                      <a:solidFill>
-                        <a:srgbClr val="FFFFFF">
-                          <a:alpha val="0"/>
-                        </a:srgbClr>
-                      </a:solidFill>
+                    <a:lnR algn="ctr" cmpd="sng" cap="flat" w="0">
+                      <a:noFill/>
                       <a:prstDash val="solid"/>
                     </a:lnR>
-                    <a:lnT w="0" cmpd="sng" algn="ctr" cap="flat">
-                      <a:solidFill>
-                        <a:srgbClr val="FFFFFF">
-                          <a:alpha val="0"/>
-                        </a:srgbClr>
-                      </a:solidFill>
+                    <a:lnT algn="ctr" cmpd="sng" cap="flat" w="0">
+                      <a:noFill/>
                       <a:prstDash val="solid"/>
                     </a:lnT>
-                    <a:lnB w="0" cmpd="sng" algn="ctr" cap="flat">
-                      <a:solidFill>
-                        <a:srgbClr val="FFFFFF">
-                          <a:alpha val="0"/>
-                        </a:srgbClr>
-                      </a:solidFill>
+                    <a:lnB algn="ctr" cmpd="sng" cap="flat" w="0">
+                      <a:noFill/>
                       <a:prstDash val="solid"/>
                     </a:lnB>
+                    <a:solidFill>
+                      <a:srgbClr val="FFFFFF">
+                        <a:alpha val="0"/>
+                      </a:srgbClr>
+                    </a:solidFill>
                   </a:tcPr>
                 </a:tc>
                 <a:tc>
@@ -2597,7 +2558,7 @@
                         <a:buNone/>
                       </a:pPr>
                       <a:r>
-                        <a:rPr sz="3700">
+                        <a:rPr cap="none" sz="3700" i="0" b="0" u="none" strike="noStrike">
                           <a:solidFill>
                             <a:srgbClr val="000000">
                               <a:alpha val="100000"/>
@@ -2612,39 +2573,28 @@
                       </a:r>
                     </a:p>
                   </a:txBody>
-                  <a:tcPr anchor="ctr" marB="0" marT="0" marR="0" marL="0">
-                    <a:lnL w="0" cmpd="sng" algn="ctr" cap="flat">
-                      <a:solidFill>
-                        <a:srgbClr val="FFFFFF">
-                          <a:alpha val="0"/>
-                        </a:srgbClr>
-                      </a:solidFill>
+                  <a:tcPr anchor="ctr" marB="63500" marT="63500" marR="0" marL="0">
+                    <a:lnL algn="ctr" cmpd="sng" cap="flat" w="0">
+                      <a:noFill/>
                       <a:prstDash val="solid"/>
                     </a:lnL>
-                    <a:lnR w="0" cmpd="sng" algn="ctr" cap="flat">
-                      <a:solidFill>
-                        <a:srgbClr val="FFFFFF">
-                          <a:alpha val="0"/>
-                        </a:srgbClr>
-                      </a:solidFill>
+                    <a:lnR algn="ctr" cmpd="sng" cap="flat" w="0">
+                      <a:noFill/>
                       <a:prstDash val="solid"/>
                     </a:lnR>
-                    <a:lnT w="0" cmpd="sng" algn="ctr" cap="flat">
-                      <a:solidFill>
-                        <a:srgbClr val="FFFFFF">
-                          <a:alpha val="0"/>
-                        </a:srgbClr>
-                      </a:solidFill>
+                    <a:lnT algn="ctr" cmpd="sng" cap="flat" w="0">
+                      <a:noFill/>
                       <a:prstDash val="solid"/>
                     </a:lnT>
-                    <a:lnB w="0" cmpd="sng" algn="ctr" cap="flat">
-                      <a:solidFill>
-                        <a:srgbClr val="FFFFFF">
-                          <a:alpha val="0"/>
-                        </a:srgbClr>
-                      </a:solidFill>
+                    <a:lnB algn="ctr" cmpd="sng" cap="flat" w="0">
+                      <a:noFill/>
                       <a:prstDash val="solid"/>
                     </a:lnB>
+                    <a:solidFill>
+                      <a:srgbClr val="FFFFFF">
+                        <a:alpha val="0"/>
+                      </a:srgbClr>
+                    </a:solidFill>
                   </a:tcPr>
                 </a:tc>
               </a:tr>
@@ -2667,7 +2617,7 @@
                         <a:buNone/>
                       </a:pPr>
                       <a:r>
-                        <a:rPr sz="3700">
+                        <a:rPr cap="none" sz="3700" i="0" b="0" u="none" strike="noStrike">
                           <a:solidFill>
                             <a:srgbClr val="000000">
                               <a:alpha val="100000"/>
@@ -2682,39 +2632,28 @@
                       </a:r>
                     </a:p>
                   </a:txBody>
-                  <a:tcPr anchor="ctr" marB="0" marT="0" marR="0" marL="0">
-                    <a:lnL w="0" cmpd="sng" algn="ctr" cap="flat">
-                      <a:solidFill>
-                        <a:srgbClr val="FFFFFF">
-                          <a:alpha val="0"/>
-                        </a:srgbClr>
-                      </a:solidFill>
+                  <a:tcPr anchor="ctr" marB="63500" marT="63500" marR="0" marL="0">
+                    <a:lnL algn="ctr" cmpd="sng" cap="flat" w="0">
+                      <a:noFill/>
                       <a:prstDash val="solid"/>
                     </a:lnL>
-                    <a:lnR w="0" cmpd="sng" algn="ctr" cap="flat">
-                      <a:solidFill>
-                        <a:srgbClr val="FFFFFF">
-                          <a:alpha val="0"/>
-                        </a:srgbClr>
-                      </a:solidFill>
+                    <a:lnR algn="ctr" cmpd="sng" cap="flat" w="0">
+                      <a:noFill/>
                       <a:prstDash val="solid"/>
                     </a:lnR>
-                    <a:lnT w="0" cmpd="sng" algn="ctr" cap="flat">
-                      <a:solidFill>
-                        <a:srgbClr val="FFFFFF">
-                          <a:alpha val="0"/>
-                        </a:srgbClr>
-                      </a:solidFill>
+                    <a:lnT algn="ctr" cmpd="sng" cap="flat" w="0">
+                      <a:noFill/>
                       <a:prstDash val="solid"/>
                     </a:lnT>
-                    <a:lnB w="0" cmpd="sng" algn="ctr" cap="flat">
-                      <a:solidFill>
-                        <a:srgbClr val="FFFFFF">
-                          <a:alpha val="0"/>
-                        </a:srgbClr>
-                      </a:solidFill>
+                    <a:lnB algn="ctr" cmpd="sng" cap="flat" w="0">
+                      <a:noFill/>
                       <a:prstDash val="solid"/>
                     </a:lnB>
+                    <a:solidFill>
+                      <a:srgbClr val="FFFFFF">
+                        <a:alpha val="0"/>
+                      </a:srgbClr>
+                    </a:solidFill>
                   </a:tcPr>
                 </a:tc>
                 <a:tc>
@@ -2735,7 +2674,7 @@
                         <a:buNone/>
                       </a:pPr>
                       <a:r>
-                        <a:rPr sz="3700">
+                        <a:rPr cap="none" sz="3700" i="0" b="0" u="none" strike="noStrike">
                           <a:solidFill>
                             <a:srgbClr val="000000">
                               <a:alpha val="100000"/>
@@ -2750,39 +2689,28 @@
                       </a:r>
                     </a:p>
                   </a:txBody>
-                  <a:tcPr anchor="ctr" marB="0" marT="0" marR="0" marL="0">
-                    <a:lnL w="0" cmpd="sng" algn="ctr" cap="flat">
-                      <a:solidFill>
-                        <a:srgbClr val="FFFFFF">
-                          <a:alpha val="0"/>
-                        </a:srgbClr>
-                      </a:solidFill>
+                  <a:tcPr anchor="ctr" marB="63500" marT="63500" marR="0" marL="0">
+                    <a:lnL algn="ctr" cmpd="sng" cap="flat" w="0">
+                      <a:noFill/>
                       <a:prstDash val="solid"/>
                     </a:lnL>
-                    <a:lnR w="0" cmpd="sng" algn="ctr" cap="flat">
-                      <a:solidFill>
-                        <a:srgbClr val="FFFFFF">
-                          <a:alpha val="0"/>
-                        </a:srgbClr>
-                      </a:solidFill>
+                    <a:lnR algn="ctr" cmpd="sng" cap="flat" w="0">
+                      <a:noFill/>
                       <a:prstDash val="solid"/>
                     </a:lnR>
-                    <a:lnT w="0" cmpd="sng" algn="ctr" cap="flat">
-                      <a:solidFill>
-                        <a:srgbClr val="FFFFFF">
-                          <a:alpha val="0"/>
-                        </a:srgbClr>
-                      </a:solidFill>
+                    <a:lnT algn="ctr" cmpd="sng" cap="flat" w="0">
+                      <a:noFill/>
                       <a:prstDash val="solid"/>
                     </a:lnT>
-                    <a:lnB w="0" cmpd="sng" algn="ctr" cap="flat">
-                      <a:solidFill>
-                        <a:srgbClr val="FFFFFF">
-                          <a:alpha val="0"/>
-                        </a:srgbClr>
-                      </a:solidFill>
+                    <a:lnB algn="ctr" cmpd="sng" cap="flat" w="0">
+                      <a:noFill/>
                       <a:prstDash val="solid"/>
                     </a:lnB>
+                    <a:solidFill>
+                      <a:srgbClr val="FFFFFF">
+                        <a:alpha val="0"/>
+                      </a:srgbClr>
+                    </a:solidFill>
                   </a:tcPr>
                 </a:tc>
               </a:tr>
@@ -2805,7 +2733,7 @@
                         <a:buNone/>
                       </a:pPr>
                       <a:r>
-                        <a:rPr sz="3700">
+                        <a:rPr cap="none" sz="3700" i="0" b="0" u="none" strike="noStrike">
                           <a:solidFill>
                             <a:srgbClr val="000000">
                               <a:alpha val="100000"/>
@@ -2820,39 +2748,28 @@
                       </a:r>
                     </a:p>
                   </a:txBody>
-                  <a:tcPr anchor="ctr" marB="0" marT="0" marR="0" marL="0">
-                    <a:lnL w="0" cmpd="sng" algn="ctr" cap="flat">
-                      <a:solidFill>
-                        <a:srgbClr val="FFFFFF">
-                          <a:alpha val="0"/>
-                        </a:srgbClr>
-                      </a:solidFill>
+                  <a:tcPr anchor="ctr" marB="63500" marT="63500" marR="0" marL="0">
+                    <a:lnL algn="ctr" cmpd="sng" cap="flat" w="0">
+                      <a:noFill/>
                       <a:prstDash val="solid"/>
                     </a:lnL>
-                    <a:lnR w="0" cmpd="sng" algn="ctr" cap="flat">
-                      <a:solidFill>
-                        <a:srgbClr val="FFFFFF">
-                          <a:alpha val="0"/>
-                        </a:srgbClr>
-                      </a:solidFill>
+                    <a:lnR algn="ctr" cmpd="sng" cap="flat" w="0">
+                      <a:noFill/>
                       <a:prstDash val="solid"/>
                     </a:lnR>
-                    <a:lnT w="0" cmpd="sng" algn="ctr" cap="flat">
-                      <a:solidFill>
-                        <a:srgbClr val="FFFFFF">
-                          <a:alpha val="0"/>
-                        </a:srgbClr>
-                      </a:solidFill>
+                    <a:lnT algn="ctr" cmpd="sng" cap="flat" w="0">
+                      <a:noFill/>
                       <a:prstDash val="solid"/>
                     </a:lnT>
-                    <a:lnB w="0" cmpd="sng" algn="ctr" cap="flat">
-                      <a:solidFill>
-                        <a:srgbClr val="FFFFFF">
-                          <a:alpha val="0"/>
-                        </a:srgbClr>
-                      </a:solidFill>
+                    <a:lnB algn="ctr" cmpd="sng" cap="flat" w="0">
+                      <a:noFill/>
                       <a:prstDash val="solid"/>
                     </a:lnB>
+                    <a:solidFill>
+                      <a:srgbClr val="FFFFFF">
+                        <a:alpha val="0"/>
+                      </a:srgbClr>
+                    </a:solidFill>
                   </a:tcPr>
                 </a:tc>
                 <a:tc>
@@ -2873,7 +2790,7 @@
                         <a:buNone/>
                       </a:pPr>
                       <a:r>
-                        <a:rPr sz="3700">
+                        <a:rPr cap="none" sz="3700" i="0" b="0" u="none" strike="noStrike">
                           <a:solidFill>
                             <a:srgbClr val="000000">
                               <a:alpha val="100000"/>
@@ -2888,39 +2805,28 @@
                       </a:r>
                     </a:p>
                   </a:txBody>
-                  <a:tcPr anchor="ctr" marB="0" marT="0" marR="0" marL="0">
-                    <a:lnL w="0" cmpd="sng" algn="ctr" cap="flat">
-                      <a:solidFill>
-                        <a:srgbClr val="FFFFFF">
-                          <a:alpha val="0"/>
-                        </a:srgbClr>
-                      </a:solidFill>
+                  <a:tcPr anchor="ctr" marB="63500" marT="63500" marR="0" marL="0">
+                    <a:lnL algn="ctr" cmpd="sng" cap="flat" w="0">
+                      <a:noFill/>
                       <a:prstDash val="solid"/>
                     </a:lnL>
-                    <a:lnR w="0" cmpd="sng" algn="ctr" cap="flat">
-                      <a:solidFill>
-                        <a:srgbClr val="FFFFFF">
-                          <a:alpha val="0"/>
-                        </a:srgbClr>
-                      </a:solidFill>
+                    <a:lnR algn="ctr" cmpd="sng" cap="flat" w="0">
+                      <a:noFill/>
                       <a:prstDash val="solid"/>
                     </a:lnR>
-                    <a:lnT w="0" cmpd="sng" algn="ctr" cap="flat">
-                      <a:solidFill>
-                        <a:srgbClr val="FFFFFF">
-                          <a:alpha val="0"/>
-                        </a:srgbClr>
-                      </a:solidFill>
+                    <a:lnT algn="ctr" cmpd="sng" cap="flat" w="0">
+                      <a:noFill/>
                       <a:prstDash val="solid"/>
                     </a:lnT>
-                    <a:lnB w="0" cmpd="sng" algn="ctr" cap="flat">
-                      <a:solidFill>
-                        <a:srgbClr val="FFFFFF">
-                          <a:alpha val="0"/>
-                        </a:srgbClr>
-                      </a:solidFill>
+                    <a:lnB algn="ctr" cmpd="sng" cap="flat" w="0">
+                      <a:noFill/>
                       <a:prstDash val="solid"/>
                     </a:lnB>
+                    <a:solidFill>
+                      <a:srgbClr val="FFFFFF">
+                        <a:alpha val="0"/>
+                      </a:srgbClr>
+                    </a:solidFill>
                   </a:tcPr>
                 </a:tc>
               </a:tr>
@@ -2943,7 +2849,7 @@
                         <a:buNone/>
                       </a:pPr>
                       <a:r>
-                        <a:rPr sz="3700">
+                        <a:rPr cap="none" sz="3700" i="0" b="0" u="none" strike="noStrike">
                           <a:solidFill>
                             <a:srgbClr val="000000">
                               <a:alpha val="100000"/>
@@ -2958,32 +2864,20 @@
                       </a:r>
                     </a:p>
                   </a:txBody>
-                  <a:tcPr anchor="ctr" marB="0" marT="0" marR="0" marL="0">
-                    <a:lnL w="0" cmpd="sng" algn="ctr" cap="flat">
-                      <a:solidFill>
-                        <a:srgbClr val="FFFFFF">
-                          <a:alpha val="0"/>
-                        </a:srgbClr>
-                      </a:solidFill>
+                  <a:tcPr anchor="ctr" marB="63500" marT="63500" marR="0" marL="0">
+                    <a:lnL algn="ctr" cmpd="sng" cap="flat" w="0">
+                      <a:noFill/>
                       <a:prstDash val="solid"/>
                     </a:lnL>
-                    <a:lnR w="0" cmpd="sng" algn="ctr" cap="flat">
-                      <a:solidFill>
-                        <a:srgbClr val="FFFFFF">
-                          <a:alpha val="0"/>
-                        </a:srgbClr>
-                      </a:solidFill>
+                    <a:lnR algn="ctr" cmpd="sng" cap="flat" w="0">
+                      <a:noFill/>
                       <a:prstDash val="solid"/>
                     </a:lnR>
-                    <a:lnT w="0" cmpd="sng" algn="ctr" cap="flat">
-                      <a:solidFill>
-                        <a:srgbClr val="FFFFFF">
-                          <a:alpha val="0"/>
-                        </a:srgbClr>
-                      </a:solidFill>
+                    <a:lnT algn="ctr" cmpd="sng" cap="flat" w="0">
+                      <a:noFill/>
                       <a:prstDash val="solid"/>
                     </a:lnT>
-                    <a:lnB w="25400" cmpd="sng" algn="ctr" cap="flat">
+                    <a:lnB algn="ctr" cmpd="sng" cap="flat" w="19050">
                       <a:solidFill>
                         <a:srgbClr val="666666">
                           <a:alpha val="100000"/>
@@ -2991,6 +2885,11 @@
                       </a:solidFill>
                       <a:prstDash val="solid"/>
                     </a:lnB>
+                    <a:solidFill>
+                      <a:srgbClr val="FFFFFF">
+                        <a:alpha val="0"/>
+                      </a:srgbClr>
+                    </a:solidFill>
                   </a:tcPr>
                 </a:tc>
                 <a:tc>
@@ -3011,7 +2910,7 @@
                         <a:buNone/>
                       </a:pPr>
                       <a:r>
-                        <a:rPr sz="3700">
+                        <a:rPr cap="none" sz="3700" i="0" b="0" u="none" strike="noStrike">
                           <a:solidFill>
                             <a:srgbClr val="000000">
                               <a:alpha val="100000"/>
@@ -3026,32 +2925,20 @@
                       </a:r>
                     </a:p>
                   </a:txBody>
-                  <a:tcPr anchor="ctr" marB="0" marT="0" marR="0" marL="0">
-                    <a:lnL w="0" cmpd="sng" algn="ctr" cap="flat">
-                      <a:solidFill>
-                        <a:srgbClr val="FFFFFF">
-                          <a:alpha val="0"/>
-                        </a:srgbClr>
-                      </a:solidFill>
+                  <a:tcPr anchor="ctr" marB="63500" marT="63500" marR="0" marL="0">
+                    <a:lnL algn="ctr" cmpd="sng" cap="flat" w="0">
+                      <a:noFill/>
                       <a:prstDash val="solid"/>
                     </a:lnL>
-                    <a:lnR w="0" cmpd="sng" algn="ctr" cap="flat">
-                      <a:solidFill>
-                        <a:srgbClr val="FFFFFF">
-                          <a:alpha val="0"/>
-                        </a:srgbClr>
-                      </a:solidFill>
+                    <a:lnR algn="ctr" cmpd="sng" cap="flat" w="0">
+                      <a:noFill/>
                       <a:prstDash val="solid"/>
                     </a:lnR>
-                    <a:lnT w="0" cmpd="sng" algn="ctr" cap="flat">
-                      <a:solidFill>
-                        <a:srgbClr val="FFFFFF">
-                          <a:alpha val="0"/>
-                        </a:srgbClr>
-                      </a:solidFill>
+                    <a:lnT algn="ctr" cmpd="sng" cap="flat" w="0">
+                      <a:noFill/>
                       <a:prstDash val="solid"/>
                     </a:lnT>
-                    <a:lnB w="25400" cmpd="sng" algn="ctr" cap="flat">
+                    <a:lnB algn="ctr" cmpd="sng" cap="flat" w="19050">
                       <a:solidFill>
                         <a:srgbClr val="666666">
                           <a:alpha val="100000"/>
@@ -3059,6 +2946,11 @@
                       </a:solidFill>
                       <a:prstDash val="solid"/>
                     </a:lnB>
+                    <a:solidFill>
+                      <a:srgbClr val="FFFFFF">
+                        <a:alpha val="0"/>
+                      </a:srgbClr>
+                    </a:solidFill>
                   </a:tcPr>
                 </a:tc>
               </a:tr>
@@ -3066,7 +2958,7 @@
           </a:graphicData>
         </a:graphic>
       </p:graphicFrame>
-      <p:graphicFrame xmlns:a="http://schemas.openxmlformats.org/drawingml/2006/main" xmlns:r="http://schemas.openxmlformats.org/officeDocument/2006/relationships" xmlns:p="http://schemas.openxmlformats.org/presentationml/2006/main">
+      <p:graphicFrame>
         <p:nvGraphicFramePr>
           <p:cNvPr id="3" name=""/>
           <p:cNvGraphicFramePr>
@@ -3105,7 +2997,7 @@
                         <a:buNone/>
                       </a:pPr>
                       <a:r>
-                        <a:rPr sz="2400">
+                        <a:rPr cap="none" sz="2400" i="0" b="0" u="none" strike="noStrike">
                           <a:solidFill>
                             <a:srgbClr val="000000">
                               <a:alpha val="100000"/>
@@ -3120,24 +3012,16 @@
                       </a:r>
                     </a:p>
                   </a:txBody>
-                  <a:tcPr anchor="ctr" marB="0" marT="0" marR="0" marL="0">
-                    <a:lnL w="0" cmpd="sng" algn="ctr" cap="flat">
-                      <a:solidFill>
-                        <a:srgbClr val="FFFFFF">
-                          <a:alpha val="0"/>
-                        </a:srgbClr>
-                      </a:solidFill>
+                  <a:tcPr anchor="ctr" marB="63500" marT="63500" marR="0" marL="0">
+                    <a:lnL algn="ctr" cmpd="sng" cap="flat" w="0">
+                      <a:noFill/>
                       <a:prstDash val="solid"/>
                     </a:lnL>
-                    <a:lnR w="0" cmpd="sng" algn="ctr" cap="flat">
-                      <a:solidFill>
-                        <a:srgbClr val="FFFFFF">
-                          <a:alpha val="0"/>
-                        </a:srgbClr>
-                      </a:solidFill>
+                    <a:lnR algn="ctr" cmpd="sng" cap="flat" w="0">
+                      <a:noFill/>
                       <a:prstDash val="solid"/>
                     </a:lnR>
-                    <a:lnT w="25400" cmpd="sng" algn="ctr" cap="flat">
+                    <a:lnT algn="ctr" cmpd="sng" cap="flat" w="19050">
                       <a:solidFill>
                         <a:srgbClr val="666666">
                           <a:alpha val="100000"/>
@@ -3145,7 +3029,7 @@
                       </a:solidFill>
                       <a:prstDash val="solid"/>
                     </a:lnT>
-                    <a:lnB w="25400" cmpd="sng" algn="ctr" cap="flat">
+                    <a:lnB algn="ctr" cmpd="sng" cap="flat" w="19050">
                       <a:solidFill>
                         <a:srgbClr val="666666">
                           <a:alpha val="100000"/>
@@ -3153,6 +3037,11 @@
                       </a:solidFill>
                       <a:prstDash val="solid"/>
                     </a:lnB>
+                    <a:solidFill>
+                      <a:srgbClr val="FFFFFF">
+                        <a:alpha val="0"/>
+                      </a:srgbClr>
+                    </a:solidFill>
                   </a:tcPr>
                 </a:tc>
                 <a:tc>
@@ -3173,7 +3062,7 @@
                         <a:buNone/>
                       </a:pPr>
                       <a:r>
-                        <a:rPr sz="2400">
+                        <a:rPr cap="none" sz="2400" i="0" b="0" u="none" strike="noStrike">
                           <a:solidFill>
                             <a:srgbClr val="000000">
                               <a:alpha val="100000"/>
@@ -3188,24 +3077,16 @@
                       </a:r>
                     </a:p>
                   </a:txBody>
-                  <a:tcPr anchor="ctr" marB="0" marT="0" marR="0" marL="0">
-                    <a:lnL w="0" cmpd="sng" algn="ctr" cap="flat">
-                      <a:solidFill>
-                        <a:srgbClr val="FFFFFF">
-                          <a:alpha val="0"/>
-                        </a:srgbClr>
-                      </a:solidFill>
+                  <a:tcPr anchor="ctr" marB="63500" marT="63500" marR="0" marL="0">
+                    <a:lnL algn="ctr" cmpd="sng" cap="flat" w="0">
+                      <a:noFill/>
                       <a:prstDash val="solid"/>
                     </a:lnL>
-                    <a:lnR w="0" cmpd="sng" algn="ctr" cap="flat">
-                      <a:solidFill>
-                        <a:srgbClr val="FFFFFF">
-                          <a:alpha val="0"/>
-                        </a:srgbClr>
-                      </a:solidFill>
+                    <a:lnR algn="ctr" cmpd="sng" cap="flat" w="0">
+                      <a:noFill/>
                       <a:prstDash val="solid"/>
                     </a:lnR>
-                    <a:lnT w="25400" cmpd="sng" algn="ctr" cap="flat">
+                    <a:lnT algn="ctr" cmpd="sng" cap="flat" w="19050">
                       <a:solidFill>
                         <a:srgbClr val="666666">
                           <a:alpha val="100000"/>
@@ -3213,7 +3094,7 @@
                       </a:solidFill>
                       <a:prstDash val="solid"/>
                     </a:lnT>
-                    <a:lnB w="25400" cmpd="sng" algn="ctr" cap="flat">
+                    <a:lnB algn="ctr" cmpd="sng" cap="flat" w="19050">
                       <a:solidFill>
                         <a:srgbClr val="666666">
                           <a:alpha val="100000"/>
@@ -3221,6 +3102,11 @@
                       </a:solidFill>
                       <a:prstDash val="solid"/>
                     </a:lnB>
+                    <a:solidFill>
+                      <a:srgbClr val="FFFFFF">
+                        <a:alpha val="0"/>
+                      </a:srgbClr>
+                    </a:solidFill>
                   </a:tcPr>
                 </a:tc>
               </a:tr>
@@ -3243,7 +3129,7 @@
                         <a:buNone/>
                       </a:pPr>
                       <a:r>
-                        <a:rPr sz="2400">
+                        <a:rPr cap="none" sz="2400" i="0" b="0" u="none" strike="noStrike">
                           <a:solidFill>
                             <a:srgbClr val="000000">
                               <a:alpha val="100000"/>
@@ -3258,39 +3144,28 @@
                       </a:r>
                     </a:p>
                   </a:txBody>
-                  <a:tcPr anchor="ctr" marB="0" marT="0" marR="0" marL="0">
-                    <a:lnL w="0" cmpd="sng" algn="ctr" cap="flat">
-                      <a:solidFill>
-                        <a:srgbClr val="FFFFFF">
-                          <a:alpha val="0"/>
-                        </a:srgbClr>
-                      </a:solidFill>
+                  <a:tcPr anchor="ctr" marB="63500" marT="63500" marR="0" marL="0">
+                    <a:lnL algn="ctr" cmpd="sng" cap="flat" w="0">
+                      <a:noFill/>
                       <a:prstDash val="solid"/>
                     </a:lnL>
-                    <a:lnR w="0" cmpd="sng" algn="ctr" cap="flat">
-                      <a:solidFill>
-                        <a:srgbClr val="FFFFFF">
-                          <a:alpha val="0"/>
-                        </a:srgbClr>
-                      </a:solidFill>
+                    <a:lnR algn="ctr" cmpd="sng" cap="flat" w="0">
+                      <a:noFill/>
                       <a:prstDash val="solid"/>
                     </a:lnR>
-                    <a:lnT w="0" cmpd="sng" algn="ctr" cap="flat">
-                      <a:solidFill>
-                        <a:srgbClr val="FFFFFF">
-                          <a:alpha val="0"/>
-                        </a:srgbClr>
-                      </a:solidFill>
+                    <a:lnT algn="ctr" cmpd="sng" cap="flat" w="0">
+                      <a:noFill/>
                       <a:prstDash val="solid"/>
                     </a:lnT>
-                    <a:lnB w="0" cmpd="sng" algn="ctr" cap="flat">
-                      <a:solidFill>
-                        <a:srgbClr val="FFFFFF">
-                          <a:alpha val="0"/>
-                        </a:srgbClr>
-                      </a:solidFill>
+                    <a:lnB algn="ctr" cmpd="sng" cap="flat" w="0">
+                      <a:noFill/>
                       <a:prstDash val="solid"/>
                     </a:lnB>
+                    <a:solidFill>
+                      <a:srgbClr val="FFFFFF">
+                        <a:alpha val="0"/>
+                      </a:srgbClr>
+                    </a:solidFill>
                   </a:tcPr>
                 </a:tc>
                 <a:tc>
@@ -3311,7 +3186,7 @@
                         <a:buNone/>
                       </a:pPr>
                       <a:r>
-                        <a:rPr sz="2400">
+                        <a:rPr cap="none" sz="2400" i="0" b="0" u="none" strike="noStrike">
                           <a:solidFill>
                             <a:srgbClr val="000000">
                               <a:alpha val="100000"/>
@@ -3326,39 +3201,28 @@
                       </a:r>
                     </a:p>
                   </a:txBody>
-                  <a:tcPr anchor="ctr" marB="0" marT="0" marR="0" marL="0">
-                    <a:lnL w="0" cmpd="sng" algn="ctr" cap="flat">
-                      <a:solidFill>
-                        <a:srgbClr val="FFFFFF">
-                          <a:alpha val="0"/>
-                        </a:srgbClr>
-                      </a:solidFill>
+                  <a:tcPr anchor="ctr" marB="63500" marT="63500" marR="0" marL="0">
+                    <a:lnL algn="ctr" cmpd="sng" cap="flat" w="0">
+                      <a:noFill/>
                       <a:prstDash val="solid"/>
                     </a:lnL>
-                    <a:lnR w="0" cmpd="sng" algn="ctr" cap="flat">
-                      <a:solidFill>
-                        <a:srgbClr val="FFFFFF">
-                          <a:alpha val="0"/>
-                        </a:srgbClr>
-                      </a:solidFill>
+                    <a:lnR algn="ctr" cmpd="sng" cap="flat" w="0">
+                      <a:noFill/>
                       <a:prstDash val="solid"/>
                     </a:lnR>
-                    <a:lnT w="0" cmpd="sng" algn="ctr" cap="flat">
-                      <a:solidFill>
-                        <a:srgbClr val="FFFFFF">
-                          <a:alpha val="0"/>
-                        </a:srgbClr>
-                      </a:solidFill>
+                    <a:lnT algn="ctr" cmpd="sng" cap="flat" w="0">
+                      <a:noFill/>
                       <a:prstDash val="solid"/>
                     </a:lnT>
-                    <a:lnB w="0" cmpd="sng" algn="ctr" cap="flat">
-                      <a:solidFill>
-                        <a:srgbClr val="FFFFFF">
-                          <a:alpha val="0"/>
-                        </a:srgbClr>
-                      </a:solidFill>
+                    <a:lnB algn="ctr" cmpd="sng" cap="flat" w="0">
+                      <a:noFill/>
                       <a:prstDash val="solid"/>
                     </a:lnB>
+                    <a:solidFill>
+                      <a:srgbClr val="FFFFFF">
+                        <a:alpha val="0"/>
+                      </a:srgbClr>
+                    </a:solidFill>
                   </a:tcPr>
                 </a:tc>
               </a:tr>
@@ -3381,7 +3245,7 @@
                         <a:buNone/>
                       </a:pPr>
                       <a:r>
-                        <a:rPr sz="2400">
+                        <a:rPr cap="none" sz="2400" i="0" b="0" u="none" strike="noStrike">
                           <a:solidFill>
                             <a:srgbClr val="000000">
                               <a:alpha val="100000"/>
@@ -3396,39 +3260,28 @@
                       </a:r>
                     </a:p>
                   </a:txBody>
-                  <a:tcPr anchor="ctr" marB="0" marT="0" marR="0" marL="0">
-                    <a:lnL w="0" cmpd="sng" algn="ctr" cap="flat">
-                      <a:solidFill>
-                        <a:srgbClr val="FFFFFF">
-                          <a:alpha val="0"/>
-                        </a:srgbClr>
-                      </a:solidFill>
+                  <a:tcPr anchor="ctr" marB="63500" marT="63500" marR="0" marL="0">
+                    <a:lnL algn="ctr" cmpd="sng" cap="flat" w="0">
+                      <a:noFill/>
                       <a:prstDash val="solid"/>
                     </a:lnL>
-                    <a:lnR w="0" cmpd="sng" algn="ctr" cap="flat">
-                      <a:solidFill>
-                        <a:srgbClr val="FFFFFF">
-                          <a:alpha val="0"/>
-                        </a:srgbClr>
-                      </a:solidFill>
+                    <a:lnR algn="ctr" cmpd="sng" cap="flat" w="0">
+                      <a:noFill/>
                       <a:prstDash val="solid"/>
                     </a:lnR>
-                    <a:lnT w="0" cmpd="sng" algn="ctr" cap="flat">
-                      <a:solidFill>
-                        <a:srgbClr val="FFFFFF">
-                          <a:alpha val="0"/>
-                        </a:srgbClr>
-                      </a:solidFill>
+                    <a:lnT algn="ctr" cmpd="sng" cap="flat" w="0">
+                      <a:noFill/>
                       <a:prstDash val="solid"/>
                     </a:lnT>
-                    <a:lnB w="0" cmpd="sng" algn="ctr" cap="flat">
-                      <a:solidFill>
-                        <a:srgbClr val="FFFFFF">
-                          <a:alpha val="0"/>
-                        </a:srgbClr>
-                      </a:solidFill>
+                    <a:lnB algn="ctr" cmpd="sng" cap="flat" w="0">
+                      <a:noFill/>
                       <a:prstDash val="solid"/>
                     </a:lnB>
+                    <a:solidFill>
+                      <a:srgbClr val="FFFFFF">
+                        <a:alpha val="0"/>
+                      </a:srgbClr>
+                    </a:solidFill>
                   </a:tcPr>
                 </a:tc>
                 <a:tc>
@@ -3449,7 +3302,7 @@
                         <a:buNone/>
                       </a:pPr>
                       <a:r>
-                        <a:rPr sz="2400">
+                        <a:rPr cap="none" sz="2400" i="0" b="0" u="none" strike="noStrike">
                           <a:solidFill>
                             <a:srgbClr val="000000">
                               <a:alpha val="100000"/>
@@ -3464,39 +3317,28 @@
                       </a:r>
                     </a:p>
                   </a:txBody>
-                  <a:tcPr anchor="ctr" marB="0" marT="0" marR="0" marL="0">
-                    <a:lnL w="0" cmpd="sng" algn="ctr" cap="flat">
-                      <a:solidFill>
-                        <a:srgbClr val="FFFFFF">
-                          <a:alpha val="0"/>
-                        </a:srgbClr>
-                      </a:solidFill>
+                  <a:tcPr anchor="ctr" marB="63500" marT="63500" marR="0" marL="0">
+                    <a:lnL algn="ctr" cmpd="sng" cap="flat" w="0">
+                      <a:noFill/>
                       <a:prstDash val="solid"/>
                     </a:lnL>
-                    <a:lnR w="0" cmpd="sng" algn="ctr" cap="flat">
-                      <a:solidFill>
-                        <a:srgbClr val="FFFFFF">
-                          <a:alpha val="0"/>
-                        </a:srgbClr>
-                      </a:solidFill>
+                    <a:lnR algn="ctr" cmpd="sng" cap="flat" w="0">
+                      <a:noFill/>
                       <a:prstDash val="solid"/>
                     </a:lnR>
-                    <a:lnT w="0" cmpd="sng" algn="ctr" cap="flat">
-                      <a:solidFill>
-                        <a:srgbClr val="FFFFFF">
-                          <a:alpha val="0"/>
-                        </a:srgbClr>
-                      </a:solidFill>
+                    <a:lnT algn="ctr" cmpd="sng" cap="flat" w="0">
+                      <a:noFill/>
                       <a:prstDash val="solid"/>
                     </a:lnT>
-                    <a:lnB w="0" cmpd="sng" algn="ctr" cap="flat">
-                      <a:solidFill>
-                        <a:srgbClr val="FFFFFF">
-                          <a:alpha val="0"/>
-                        </a:srgbClr>
-                      </a:solidFill>
+                    <a:lnB algn="ctr" cmpd="sng" cap="flat" w="0">
+                      <a:noFill/>
                       <a:prstDash val="solid"/>
                     </a:lnB>
+                    <a:solidFill>
+                      <a:srgbClr val="FFFFFF">
+                        <a:alpha val="0"/>
+                      </a:srgbClr>
+                    </a:solidFill>
                   </a:tcPr>
                 </a:tc>
               </a:tr>
@@ -3519,7 +3361,7 @@
                         <a:buNone/>
                       </a:pPr>
                       <a:r>
-                        <a:rPr sz="2400">
+                        <a:rPr cap="none" sz="2400" i="0" b="0" u="none" strike="noStrike">
                           <a:solidFill>
                             <a:srgbClr val="000000">
                               <a:alpha val="100000"/>
@@ -3534,39 +3376,28 @@
                       </a:r>
                     </a:p>
                   </a:txBody>
-                  <a:tcPr anchor="ctr" marB="0" marT="0" marR="0" marL="0">
-                    <a:lnL w="0" cmpd="sng" algn="ctr" cap="flat">
-                      <a:solidFill>
-                        <a:srgbClr val="FFFFFF">
-                          <a:alpha val="0"/>
-                        </a:srgbClr>
-                      </a:solidFill>
+                  <a:tcPr anchor="ctr" marB="63500" marT="63500" marR="0" marL="0">
+                    <a:lnL algn="ctr" cmpd="sng" cap="flat" w="0">
+                      <a:noFill/>
                       <a:prstDash val="solid"/>
                     </a:lnL>
-                    <a:lnR w="0" cmpd="sng" algn="ctr" cap="flat">
-                      <a:solidFill>
-                        <a:srgbClr val="FFFFFF">
-                          <a:alpha val="0"/>
-                        </a:srgbClr>
-                      </a:solidFill>
+                    <a:lnR algn="ctr" cmpd="sng" cap="flat" w="0">
+                      <a:noFill/>
                       <a:prstDash val="solid"/>
                     </a:lnR>
-                    <a:lnT w="0" cmpd="sng" algn="ctr" cap="flat">
-                      <a:solidFill>
-                        <a:srgbClr val="FFFFFF">
-                          <a:alpha val="0"/>
-                        </a:srgbClr>
-                      </a:solidFill>
+                    <a:lnT algn="ctr" cmpd="sng" cap="flat" w="0">
+                      <a:noFill/>
                       <a:prstDash val="solid"/>
                     </a:lnT>
-                    <a:lnB w="0" cmpd="sng" algn="ctr" cap="flat">
-                      <a:solidFill>
-                        <a:srgbClr val="FFFFFF">
-                          <a:alpha val="0"/>
-                        </a:srgbClr>
-                      </a:solidFill>
+                    <a:lnB algn="ctr" cmpd="sng" cap="flat" w="0">
+                      <a:noFill/>
                       <a:prstDash val="solid"/>
                     </a:lnB>
+                    <a:solidFill>
+                      <a:srgbClr val="FFFFFF">
+                        <a:alpha val="0"/>
+                      </a:srgbClr>
+                    </a:solidFill>
                   </a:tcPr>
                 </a:tc>
                 <a:tc>
@@ -3587,7 +3418,7 @@
                         <a:buNone/>
                       </a:pPr>
                       <a:r>
-                        <a:rPr sz="2400">
+                        <a:rPr cap="none" sz="2400" i="0" b="0" u="none" strike="noStrike">
                           <a:solidFill>
                             <a:srgbClr val="000000">
                               <a:alpha val="100000"/>
@@ -3602,39 +3433,28 @@
                       </a:r>
                     </a:p>
                   </a:txBody>
-                  <a:tcPr anchor="ctr" marB="0" marT="0" marR="0" marL="0">
-                    <a:lnL w="0" cmpd="sng" algn="ctr" cap="flat">
-                      <a:solidFill>
-                        <a:srgbClr val="FFFFFF">
-                          <a:alpha val="0"/>
-                        </a:srgbClr>
-                      </a:solidFill>
+                  <a:tcPr anchor="ctr" marB="63500" marT="63500" marR="0" marL="0">
+                    <a:lnL algn="ctr" cmpd="sng" cap="flat" w="0">
+                      <a:noFill/>
                       <a:prstDash val="solid"/>
                     </a:lnL>
-                    <a:lnR w="0" cmpd="sng" algn="ctr" cap="flat">
-                      <a:solidFill>
-                        <a:srgbClr val="FFFFFF">
-                          <a:alpha val="0"/>
-                        </a:srgbClr>
-                      </a:solidFill>
+                    <a:lnR algn="ctr" cmpd="sng" cap="flat" w="0">
+                      <a:noFill/>
                       <a:prstDash val="solid"/>
                     </a:lnR>
-                    <a:lnT w="0" cmpd="sng" algn="ctr" cap="flat">
-                      <a:solidFill>
-                        <a:srgbClr val="FFFFFF">
-                          <a:alpha val="0"/>
-                        </a:srgbClr>
-                      </a:solidFill>
+                    <a:lnT algn="ctr" cmpd="sng" cap="flat" w="0">
+                      <a:noFill/>
                       <a:prstDash val="solid"/>
                     </a:lnT>
-                    <a:lnB w="0" cmpd="sng" algn="ctr" cap="flat">
-                      <a:solidFill>
-                        <a:srgbClr val="FFFFFF">
-                          <a:alpha val="0"/>
-                        </a:srgbClr>
-                      </a:solidFill>
+                    <a:lnB algn="ctr" cmpd="sng" cap="flat" w="0">
+                      <a:noFill/>
                       <a:prstDash val="solid"/>
                     </a:lnB>
+                    <a:solidFill>
+                      <a:srgbClr val="FFFFFF">
+                        <a:alpha val="0"/>
+                      </a:srgbClr>
+                    </a:solidFill>
                   </a:tcPr>
                 </a:tc>
               </a:tr>
@@ -3657,7 +3477,7 @@
                         <a:buNone/>
                       </a:pPr>
                       <a:r>
-                        <a:rPr sz="2400">
+                        <a:rPr cap="none" sz="2400" i="0" b="0" u="none" strike="noStrike">
                           <a:solidFill>
                             <a:srgbClr val="000000">
                               <a:alpha val="100000"/>
@@ -3672,39 +3492,28 @@
                       </a:r>
                     </a:p>
                   </a:txBody>
-                  <a:tcPr anchor="ctr" marB="0" marT="0" marR="0" marL="0">
-                    <a:lnL w="0" cmpd="sng" algn="ctr" cap="flat">
-                      <a:solidFill>
-                        <a:srgbClr val="FFFFFF">
-                          <a:alpha val="0"/>
-                        </a:srgbClr>
-                      </a:solidFill>
+                  <a:tcPr anchor="ctr" marB="63500" marT="63500" marR="0" marL="0">
+                    <a:lnL algn="ctr" cmpd="sng" cap="flat" w="0">
+                      <a:noFill/>
                       <a:prstDash val="solid"/>
                     </a:lnL>
-                    <a:lnR w="0" cmpd="sng" algn="ctr" cap="flat">
-                      <a:solidFill>
-                        <a:srgbClr val="FFFFFF">
-                          <a:alpha val="0"/>
-                        </a:srgbClr>
-                      </a:solidFill>
+                    <a:lnR algn="ctr" cmpd="sng" cap="flat" w="0">
+                      <a:noFill/>
                       <a:prstDash val="solid"/>
                     </a:lnR>
-                    <a:lnT w="0" cmpd="sng" algn="ctr" cap="flat">
-                      <a:solidFill>
-                        <a:srgbClr val="FFFFFF">
-                          <a:alpha val="0"/>
-                        </a:srgbClr>
-                      </a:solidFill>
+                    <a:lnT algn="ctr" cmpd="sng" cap="flat" w="0">
+                      <a:noFill/>
                       <a:prstDash val="solid"/>
                     </a:lnT>
-                    <a:lnB w="0" cmpd="sng" algn="ctr" cap="flat">
-                      <a:solidFill>
-                        <a:srgbClr val="FFFFFF">
-                          <a:alpha val="0"/>
-                        </a:srgbClr>
-                      </a:solidFill>
+                    <a:lnB algn="ctr" cmpd="sng" cap="flat" w="0">
+                      <a:noFill/>
                       <a:prstDash val="solid"/>
                     </a:lnB>
+                    <a:solidFill>
+                      <a:srgbClr val="FFFFFF">
+                        <a:alpha val="0"/>
+                      </a:srgbClr>
+                    </a:solidFill>
                   </a:tcPr>
                 </a:tc>
                 <a:tc>
@@ -3725,7 +3534,7 @@
                         <a:buNone/>
                       </a:pPr>
                       <a:r>
-                        <a:rPr sz="2400">
+                        <a:rPr cap="none" sz="2400" i="0" b="0" u="none" strike="noStrike">
                           <a:solidFill>
                             <a:srgbClr val="000000">
                               <a:alpha val="100000"/>
@@ -3740,39 +3549,28 @@
                       </a:r>
                     </a:p>
                   </a:txBody>
-                  <a:tcPr anchor="ctr" marB="0" marT="0" marR="0" marL="0">
-                    <a:lnL w="0" cmpd="sng" algn="ctr" cap="flat">
-                      <a:solidFill>
-                        <a:srgbClr val="FFFFFF">
-                          <a:alpha val="0"/>
-                        </a:srgbClr>
-                      </a:solidFill>
+                  <a:tcPr anchor="ctr" marB="63500" marT="63500" marR="0" marL="0">
+                    <a:lnL algn="ctr" cmpd="sng" cap="flat" w="0">
+                      <a:noFill/>
                       <a:prstDash val="solid"/>
                     </a:lnL>
-                    <a:lnR w="0" cmpd="sng" algn="ctr" cap="flat">
-                      <a:solidFill>
-                        <a:srgbClr val="FFFFFF">
-                          <a:alpha val="0"/>
-                        </a:srgbClr>
-                      </a:solidFill>
+                    <a:lnR algn="ctr" cmpd="sng" cap="flat" w="0">
+                      <a:noFill/>
                       <a:prstDash val="solid"/>
                     </a:lnR>
-                    <a:lnT w="0" cmpd="sng" algn="ctr" cap="flat">
-                      <a:solidFill>
-                        <a:srgbClr val="FFFFFF">
-                          <a:alpha val="0"/>
-                        </a:srgbClr>
-                      </a:solidFill>
+                    <a:lnT algn="ctr" cmpd="sng" cap="flat" w="0">
+                      <a:noFill/>
                       <a:prstDash val="solid"/>
                     </a:lnT>
-                    <a:lnB w="0" cmpd="sng" algn="ctr" cap="flat">
-                      <a:solidFill>
-                        <a:srgbClr val="FFFFFF">
-                          <a:alpha val="0"/>
-                        </a:srgbClr>
-                      </a:solidFill>
+                    <a:lnB algn="ctr" cmpd="sng" cap="flat" w="0">
+                      <a:noFill/>
                       <a:prstDash val="solid"/>
                     </a:lnB>
+                    <a:solidFill>
+                      <a:srgbClr val="FFFFFF">
+                        <a:alpha val="0"/>
+                      </a:srgbClr>
+                    </a:solidFill>
                   </a:tcPr>
                 </a:tc>
               </a:tr>
@@ -3795,7 +3593,7 @@
                         <a:buNone/>
                       </a:pPr>
                       <a:r>
-                        <a:rPr sz="2400">
+                        <a:rPr cap="none" sz="2400" i="0" b="0" u="none" strike="noStrike">
                           <a:solidFill>
                             <a:srgbClr val="000000">
                               <a:alpha val="100000"/>
@@ -3810,32 +3608,20 @@
                       </a:r>
                     </a:p>
                   </a:txBody>
-                  <a:tcPr anchor="ctr" marB="0" marT="0" marR="0" marL="0">
-                    <a:lnL w="0" cmpd="sng" algn="ctr" cap="flat">
-                      <a:solidFill>
-                        <a:srgbClr val="FFFFFF">
-                          <a:alpha val="0"/>
-                        </a:srgbClr>
-                      </a:solidFill>
+                  <a:tcPr anchor="ctr" marB="63500" marT="63500" marR="0" marL="0">
+                    <a:lnL algn="ctr" cmpd="sng" cap="flat" w="0">
+                      <a:noFill/>
                       <a:prstDash val="solid"/>
                     </a:lnL>
-                    <a:lnR w="0" cmpd="sng" algn="ctr" cap="flat">
-                      <a:solidFill>
-                        <a:srgbClr val="FFFFFF">
-                          <a:alpha val="0"/>
-                        </a:srgbClr>
-                      </a:solidFill>
+                    <a:lnR algn="ctr" cmpd="sng" cap="flat" w="0">
+                      <a:noFill/>
                       <a:prstDash val="solid"/>
                     </a:lnR>
-                    <a:lnT w="0" cmpd="sng" algn="ctr" cap="flat">
-                      <a:solidFill>
-                        <a:srgbClr val="FFFFFF">
-                          <a:alpha val="0"/>
-                        </a:srgbClr>
-                      </a:solidFill>
+                    <a:lnT algn="ctr" cmpd="sng" cap="flat" w="0">
+                      <a:noFill/>
                       <a:prstDash val="solid"/>
                     </a:lnT>
-                    <a:lnB w="25400" cmpd="sng" algn="ctr" cap="flat">
+                    <a:lnB algn="ctr" cmpd="sng" cap="flat" w="19050">
                       <a:solidFill>
                         <a:srgbClr val="666666">
                           <a:alpha val="100000"/>
@@ -3843,6 +3629,11 @@
                       </a:solidFill>
                       <a:prstDash val="solid"/>
                     </a:lnB>
+                    <a:solidFill>
+                      <a:srgbClr val="FFFFFF">
+                        <a:alpha val="0"/>
+                      </a:srgbClr>
+                    </a:solidFill>
                   </a:tcPr>
                 </a:tc>
                 <a:tc>
@@ -3863,7 +3654,7 @@
                         <a:buNone/>
                       </a:pPr>
                       <a:r>
-                        <a:rPr sz="2400">
+                        <a:rPr cap="none" sz="2400" i="0" b="0" u="none" strike="noStrike">
                           <a:solidFill>
                             <a:srgbClr val="000000">
                               <a:alpha val="100000"/>
@@ -3878,32 +3669,20 @@
                       </a:r>
                     </a:p>
                   </a:txBody>
-                  <a:tcPr anchor="ctr" marB="0" marT="0" marR="0" marL="0">
-                    <a:lnL w="0" cmpd="sng" algn="ctr" cap="flat">
-                      <a:solidFill>
-                        <a:srgbClr val="FFFFFF">
-                          <a:alpha val="0"/>
-                        </a:srgbClr>
-                      </a:solidFill>
+                  <a:tcPr anchor="ctr" marB="63500" marT="63500" marR="0" marL="0">
+                    <a:lnL algn="ctr" cmpd="sng" cap="flat" w="0">
+                      <a:noFill/>
                       <a:prstDash val="solid"/>
                     </a:lnL>
-                    <a:lnR w="0" cmpd="sng" algn="ctr" cap="flat">
-                      <a:solidFill>
-                        <a:srgbClr val="FFFFFF">
-                          <a:alpha val="0"/>
-                        </a:srgbClr>
-                      </a:solidFill>
+                    <a:lnR algn="ctr" cmpd="sng" cap="flat" w="0">
+                      <a:noFill/>
                       <a:prstDash val="solid"/>
                     </a:lnR>
-                    <a:lnT w="0" cmpd="sng" algn="ctr" cap="flat">
-                      <a:solidFill>
-                        <a:srgbClr val="FFFFFF">
-                          <a:alpha val="0"/>
-                        </a:srgbClr>
-                      </a:solidFill>
+                    <a:lnT algn="ctr" cmpd="sng" cap="flat" w="0">
+                      <a:noFill/>
                       <a:prstDash val="solid"/>
                     </a:lnT>
-                    <a:lnB w="25400" cmpd="sng" algn="ctr" cap="flat">
+                    <a:lnB algn="ctr" cmpd="sng" cap="flat" w="19050">
                       <a:solidFill>
                         <a:srgbClr val="666666">
                           <a:alpha val="100000"/>
@@ -3911,6 +3690,11 @@
                       </a:solidFill>
                       <a:prstDash val="solid"/>
                     </a:lnB>
+                    <a:solidFill>
+                      <a:srgbClr val="FFFFFF">
+                        <a:alpha val="0"/>
+                      </a:srgbClr>
+                    </a:solidFill>
                   </a:tcPr>
                 </a:tc>
               </a:tr>
@@ -3918,7 +3702,7 @@
           </a:graphicData>
         </a:graphic>
       </p:graphicFrame>
-      <p:graphicFrame xmlns:a="http://schemas.openxmlformats.org/drawingml/2006/main" xmlns:r="http://schemas.openxmlformats.org/officeDocument/2006/relationships" xmlns:p="http://schemas.openxmlformats.org/presentationml/2006/main">
+      <p:graphicFrame>
         <p:nvGraphicFramePr>
           <p:cNvPr id="4" name=""/>
           <p:cNvGraphicFramePr>
@@ -3957,7 +3741,7 @@
                         <a:buNone/>
                       </a:pPr>
                       <a:r>
-                        <a:rPr sz="2400">
+                        <a:rPr cap="none" sz="2400" i="0" b="0" u="none" strike="noStrike">
                           <a:solidFill>
                             <a:srgbClr val="000000">
                               <a:alpha val="100000"/>
@@ -3972,24 +3756,16 @@
                       </a:r>
                     </a:p>
                   </a:txBody>
-                  <a:tcPr anchor="ctr" marB="0" marT="0" marR="0" marL="0">
-                    <a:lnL w="0" cmpd="sng" algn="ctr" cap="flat">
-                      <a:solidFill>
-                        <a:srgbClr val="FFFFFF">
-                          <a:alpha val="0"/>
-                        </a:srgbClr>
-                      </a:solidFill>
+                  <a:tcPr anchor="ctr" marB="63500" marT="63500" marR="0" marL="0">
+                    <a:lnL algn="ctr" cmpd="sng" cap="flat" w="0">
+                      <a:noFill/>
                       <a:prstDash val="solid"/>
                     </a:lnL>
-                    <a:lnR w="0" cmpd="sng" algn="ctr" cap="flat">
-                      <a:solidFill>
-                        <a:srgbClr val="FFFFFF">
-                          <a:alpha val="0"/>
-                        </a:srgbClr>
-                      </a:solidFill>
+                    <a:lnR algn="ctr" cmpd="sng" cap="flat" w="0">
+                      <a:noFill/>
                       <a:prstDash val="solid"/>
                     </a:lnR>
-                    <a:lnT w="25400" cmpd="sng" algn="ctr" cap="flat">
+                    <a:lnT algn="ctr" cmpd="sng" cap="flat" w="19050">
                       <a:solidFill>
                         <a:srgbClr val="666666">
                           <a:alpha val="100000"/>
@@ -3997,7 +3773,7 @@
                       </a:solidFill>
                       <a:prstDash val="solid"/>
                     </a:lnT>
-                    <a:lnB w="25400" cmpd="sng" algn="ctr" cap="flat">
+                    <a:lnB algn="ctr" cmpd="sng" cap="flat" w="19050">
                       <a:solidFill>
                         <a:srgbClr val="666666">
                           <a:alpha val="100000"/>
@@ -4005,6 +3781,11 @@
                       </a:solidFill>
                       <a:prstDash val="solid"/>
                     </a:lnB>
+                    <a:solidFill>
+                      <a:srgbClr val="FFFFFF">
+                        <a:alpha val="0"/>
+                      </a:srgbClr>
+                    </a:solidFill>
                   </a:tcPr>
                 </a:tc>
                 <a:tc>
@@ -4025,7 +3806,7 @@
                         <a:buNone/>
                       </a:pPr>
                       <a:r>
-                        <a:rPr sz="2400">
+                        <a:rPr cap="none" sz="2400" i="0" b="0" u="none" strike="noStrike">
                           <a:solidFill>
                             <a:srgbClr val="000000">
                               <a:alpha val="100000"/>
@@ -4040,24 +3821,16 @@
                       </a:r>
                     </a:p>
                   </a:txBody>
-                  <a:tcPr anchor="ctr" marB="0" marT="0" marR="0" marL="0">
-                    <a:lnL w="0" cmpd="sng" algn="ctr" cap="flat">
-                      <a:solidFill>
-                        <a:srgbClr val="FFFFFF">
-                          <a:alpha val="0"/>
-                        </a:srgbClr>
-                      </a:solidFill>
+                  <a:tcPr anchor="ctr" marB="63500" marT="63500" marR="0" marL="0">
+                    <a:lnL algn="ctr" cmpd="sng" cap="flat" w="0">
+                      <a:noFill/>
                       <a:prstDash val="solid"/>
                     </a:lnL>
-                    <a:lnR w="0" cmpd="sng" algn="ctr" cap="flat">
-                      <a:solidFill>
-                        <a:srgbClr val="FFFFFF">
-                          <a:alpha val="0"/>
-                        </a:srgbClr>
-                      </a:solidFill>
+                    <a:lnR algn="ctr" cmpd="sng" cap="flat" w="0">
+                      <a:noFill/>
                       <a:prstDash val="solid"/>
                     </a:lnR>
-                    <a:lnT w="25400" cmpd="sng" algn="ctr" cap="flat">
+                    <a:lnT algn="ctr" cmpd="sng" cap="flat" w="19050">
                       <a:solidFill>
                         <a:srgbClr val="666666">
                           <a:alpha val="100000"/>
@@ -4065,7 +3838,7 @@
                       </a:solidFill>
                       <a:prstDash val="solid"/>
                     </a:lnT>
-                    <a:lnB w="25400" cmpd="sng" algn="ctr" cap="flat">
+                    <a:lnB algn="ctr" cmpd="sng" cap="flat" w="19050">
                       <a:solidFill>
                         <a:srgbClr val="666666">
                           <a:alpha val="100000"/>
@@ -4073,6 +3846,11 @@
                       </a:solidFill>
                       <a:prstDash val="solid"/>
                     </a:lnB>
+                    <a:solidFill>
+                      <a:srgbClr val="FFFFFF">
+                        <a:alpha val="0"/>
+                      </a:srgbClr>
+                    </a:solidFill>
                   </a:tcPr>
                 </a:tc>
               </a:tr>
@@ -4095,7 +3873,7 @@
                         <a:buNone/>
                       </a:pPr>
                       <a:r>
-                        <a:rPr sz="2400">
+                        <a:rPr cap="none" sz="2400" i="0" b="0" u="none" strike="noStrike">
                           <a:solidFill>
                             <a:srgbClr val="000000">
                               <a:alpha val="100000"/>
@@ -4110,39 +3888,28 @@
                       </a:r>
                     </a:p>
                   </a:txBody>
-                  <a:tcPr anchor="ctr" marB="0" marT="0" marR="0" marL="0">
-                    <a:lnL w="0" cmpd="sng" algn="ctr" cap="flat">
-                      <a:solidFill>
-                        <a:srgbClr val="FFFFFF">
-                          <a:alpha val="0"/>
-                        </a:srgbClr>
-                      </a:solidFill>
+                  <a:tcPr anchor="ctr" marB="63500" marT="63500" marR="0" marL="0">
+                    <a:lnL algn="ctr" cmpd="sng" cap="flat" w="0">
+                      <a:noFill/>
                       <a:prstDash val="solid"/>
                     </a:lnL>
-                    <a:lnR w="0" cmpd="sng" algn="ctr" cap="flat">
-                      <a:solidFill>
-                        <a:srgbClr val="FFFFFF">
-                          <a:alpha val="0"/>
-                        </a:srgbClr>
-                      </a:solidFill>
+                    <a:lnR algn="ctr" cmpd="sng" cap="flat" w="0">
+                      <a:noFill/>
                       <a:prstDash val="solid"/>
                     </a:lnR>
-                    <a:lnT w="0" cmpd="sng" algn="ctr" cap="flat">
-                      <a:solidFill>
-                        <a:srgbClr val="FFFFFF">
-                          <a:alpha val="0"/>
-                        </a:srgbClr>
-                      </a:solidFill>
+                    <a:lnT algn="ctr" cmpd="sng" cap="flat" w="0">
+                      <a:noFill/>
                       <a:prstDash val="solid"/>
                     </a:lnT>
-                    <a:lnB w="0" cmpd="sng" algn="ctr" cap="flat">
-                      <a:solidFill>
-                        <a:srgbClr val="FFFFFF">
-                          <a:alpha val="0"/>
-                        </a:srgbClr>
-                      </a:solidFill>
+                    <a:lnB algn="ctr" cmpd="sng" cap="flat" w="0">
+                      <a:noFill/>
                       <a:prstDash val="solid"/>
                     </a:lnB>
+                    <a:solidFill>
+                      <a:srgbClr val="FFFFFF">
+                        <a:alpha val="0"/>
+                      </a:srgbClr>
+                    </a:solidFill>
                   </a:tcPr>
                 </a:tc>
                 <a:tc>
@@ -4163,7 +3930,7 @@
                         <a:buNone/>
                       </a:pPr>
                       <a:r>
-                        <a:rPr sz="2400">
+                        <a:rPr cap="none" sz="2400" i="0" b="0" u="none" strike="noStrike">
                           <a:solidFill>
                             <a:srgbClr val="000000">
                               <a:alpha val="100000"/>
@@ -4178,39 +3945,28 @@
                       </a:r>
                     </a:p>
                   </a:txBody>
-                  <a:tcPr anchor="ctr" marB="0" marT="0" marR="0" marL="0">
-                    <a:lnL w="0" cmpd="sng" algn="ctr" cap="flat">
-                      <a:solidFill>
-                        <a:srgbClr val="FFFFFF">
-                          <a:alpha val="0"/>
-                        </a:srgbClr>
-                      </a:solidFill>
+                  <a:tcPr anchor="ctr" marB="63500" marT="63500" marR="0" marL="0">
+                    <a:lnL algn="ctr" cmpd="sng" cap="flat" w="0">
+                      <a:noFill/>
                       <a:prstDash val="solid"/>
                     </a:lnL>
-                    <a:lnR w="0" cmpd="sng" algn="ctr" cap="flat">
-                      <a:solidFill>
-                        <a:srgbClr val="FFFFFF">
-                          <a:alpha val="0"/>
-                        </a:srgbClr>
-                      </a:solidFill>
+                    <a:lnR algn="ctr" cmpd="sng" cap="flat" w="0">
+                      <a:noFill/>
                       <a:prstDash val="solid"/>
                     </a:lnR>
-                    <a:lnT w="0" cmpd="sng" algn="ctr" cap="flat">
-                      <a:solidFill>
-                        <a:srgbClr val="FFFFFF">
-                          <a:alpha val="0"/>
-                        </a:srgbClr>
-                      </a:solidFill>
+                    <a:lnT algn="ctr" cmpd="sng" cap="flat" w="0">
+                      <a:noFill/>
                       <a:prstDash val="solid"/>
                     </a:lnT>
-                    <a:lnB w="0" cmpd="sng" algn="ctr" cap="flat">
-                      <a:solidFill>
-                        <a:srgbClr val="FFFFFF">
-                          <a:alpha val="0"/>
-                        </a:srgbClr>
-                      </a:solidFill>
+                    <a:lnB algn="ctr" cmpd="sng" cap="flat" w="0">
+                      <a:noFill/>
                       <a:prstDash val="solid"/>
                     </a:lnB>
+                    <a:solidFill>
+                      <a:srgbClr val="FFFFFF">
+                        <a:alpha val="0"/>
+                      </a:srgbClr>
+                    </a:solidFill>
                   </a:tcPr>
                 </a:tc>
               </a:tr>
@@ -4233,7 +3989,7 @@
                         <a:buNone/>
                       </a:pPr>
                       <a:r>
-                        <a:rPr sz="2400">
+                        <a:rPr cap="none" sz="2400" i="0" b="0" u="none" strike="noStrike">
                           <a:solidFill>
                             <a:srgbClr val="000000">
                               <a:alpha val="100000"/>
@@ -4248,39 +4004,28 @@
                       </a:r>
                     </a:p>
                   </a:txBody>
-                  <a:tcPr anchor="ctr" marB="0" marT="0" marR="0" marL="0">
-                    <a:lnL w="0" cmpd="sng" algn="ctr" cap="flat">
-                      <a:solidFill>
-                        <a:srgbClr val="FFFFFF">
-                          <a:alpha val="0"/>
-                        </a:srgbClr>
-                      </a:solidFill>
+                  <a:tcPr anchor="ctr" marB="63500" marT="63500" marR="0" marL="0">
+                    <a:lnL algn="ctr" cmpd="sng" cap="flat" w="0">
+                      <a:noFill/>
                       <a:prstDash val="solid"/>
                     </a:lnL>
-                    <a:lnR w="0" cmpd="sng" algn="ctr" cap="flat">
-                      <a:solidFill>
-                        <a:srgbClr val="FFFFFF">
-                          <a:alpha val="0"/>
-                        </a:srgbClr>
-                      </a:solidFill>
+                    <a:lnR algn="ctr" cmpd="sng" cap="flat" w="0">
+                      <a:noFill/>
                       <a:prstDash val="solid"/>
                     </a:lnR>
-                    <a:lnT w="0" cmpd="sng" algn="ctr" cap="flat">
-                      <a:solidFill>
-                        <a:srgbClr val="FFFFFF">
-                          <a:alpha val="0"/>
-                        </a:srgbClr>
-                      </a:solidFill>
+                    <a:lnT algn="ctr" cmpd="sng" cap="flat" w="0">
+                      <a:noFill/>
                       <a:prstDash val="solid"/>
                     </a:lnT>
-                    <a:lnB w="0" cmpd="sng" algn="ctr" cap="flat">
-                      <a:solidFill>
-                        <a:srgbClr val="FFFFFF">
-                          <a:alpha val="0"/>
-                        </a:srgbClr>
-                      </a:solidFill>
+                    <a:lnB algn="ctr" cmpd="sng" cap="flat" w="0">
+                      <a:noFill/>
                       <a:prstDash val="solid"/>
                     </a:lnB>
+                    <a:solidFill>
+                      <a:srgbClr val="FFFFFF">
+                        <a:alpha val="0"/>
+                      </a:srgbClr>
+                    </a:solidFill>
                   </a:tcPr>
                 </a:tc>
                 <a:tc>
@@ -4301,7 +4046,7 @@
                         <a:buNone/>
                       </a:pPr>
                       <a:r>
-                        <a:rPr sz="2400">
+                        <a:rPr cap="none" sz="2400" i="0" b="0" u="none" strike="noStrike">
                           <a:solidFill>
                             <a:srgbClr val="000000">
                               <a:alpha val="100000"/>
@@ -4316,39 +4061,28 @@
                       </a:r>
                     </a:p>
                   </a:txBody>
-                  <a:tcPr anchor="ctr" marB="0" marT="0" marR="0" marL="0">
-                    <a:lnL w="0" cmpd="sng" algn="ctr" cap="flat">
-                      <a:solidFill>
-                        <a:srgbClr val="FFFFFF">
-                          <a:alpha val="0"/>
-                        </a:srgbClr>
-                      </a:solidFill>
+                  <a:tcPr anchor="ctr" marB="63500" marT="63500" marR="0" marL="0">
+                    <a:lnL algn="ctr" cmpd="sng" cap="flat" w="0">
+                      <a:noFill/>
                       <a:prstDash val="solid"/>
                     </a:lnL>
-                    <a:lnR w="0" cmpd="sng" algn="ctr" cap="flat">
-                      <a:solidFill>
-                        <a:srgbClr val="FFFFFF">
-                          <a:alpha val="0"/>
-                        </a:srgbClr>
-                      </a:solidFill>
+                    <a:lnR algn="ctr" cmpd="sng" cap="flat" w="0">
+                      <a:noFill/>
                       <a:prstDash val="solid"/>
                     </a:lnR>
-                    <a:lnT w="0" cmpd="sng" algn="ctr" cap="flat">
-                      <a:solidFill>
-                        <a:srgbClr val="FFFFFF">
-                          <a:alpha val="0"/>
-                        </a:srgbClr>
-                      </a:solidFill>
+                    <a:lnT algn="ctr" cmpd="sng" cap="flat" w="0">
+                      <a:noFill/>
                       <a:prstDash val="solid"/>
                     </a:lnT>
-                    <a:lnB w="0" cmpd="sng" algn="ctr" cap="flat">
-                      <a:solidFill>
-                        <a:srgbClr val="FFFFFF">
-                          <a:alpha val="0"/>
-                        </a:srgbClr>
-                      </a:solidFill>
+                    <a:lnB algn="ctr" cmpd="sng" cap="flat" w="0">
+                      <a:noFill/>
                       <a:prstDash val="solid"/>
                     </a:lnB>
+                    <a:solidFill>
+                      <a:srgbClr val="FFFFFF">
+                        <a:alpha val="0"/>
+                      </a:srgbClr>
+                    </a:solidFill>
                   </a:tcPr>
                 </a:tc>
               </a:tr>
@@ -4371,7 +4105,7 @@
                         <a:buNone/>
                       </a:pPr>
                       <a:r>
-                        <a:rPr sz="2400">
+                        <a:rPr cap="none" sz="2400" i="0" b="0" u="none" strike="noStrike">
                           <a:solidFill>
                             <a:srgbClr val="000000">
                               <a:alpha val="100000"/>
@@ -4386,39 +4120,28 @@
                       </a:r>
                     </a:p>
                   </a:txBody>
-                  <a:tcPr anchor="ctr" marB="0" marT="0" marR="0" marL="0">
-                    <a:lnL w="0" cmpd="sng" algn="ctr" cap="flat">
-                      <a:solidFill>
-                        <a:srgbClr val="FFFFFF">
-                          <a:alpha val="0"/>
-                        </a:srgbClr>
-                      </a:solidFill>
+                  <a:tcPr anchor="ctr" marB="63500" marT="63500" marR="0" marL="0">
+                    <a:lnL algn="ctr" cmpd="sng" cap="flat" w="0">
+                      <a:noFill/>
                       <a:prstDash val="solid"/>
                     </a:lnL>
-                    <a:lnR w="0" cmpd="sng" algn="ctr" cap="flat">
-                      <a:solidFill>
-                        <a:srgbClr val="FFFFFF">
-                          <a:alpha val="0"/>
-                        </a:srgbClr>
-                      </a:solidFill>
+                    <a:lnR algn="ctr" cmpd="sng" cap="flat" w="0">
+                      <a:noFill/>
                       <a:prstDash val="solid"/>
                     </a:lnR>
-                    <a:lnT w="0" cmpd="sng" algn="ctr" cap="flat">
-                      <a:solidFill>
-                        <a:srgbClr val="FFFFFF">
-                          <a:alpha val="0"/>
-                        </a:srgbClr>
-                      </a:solidFill>
+                    <a:lnT algn="ctr" cmpd="sng" cap="flat" w="0">
+                      <a:noFill/>
                       <a:prstDash val="solid"/>
                     </a:lnT>
-                    <a:lnB w="0" cmpd="sng" algn="ctr" cap="flat">
-                      <a:solidFill>
-                        <a:srgbClr val="FFFFFF">
-                          <a:alpha val="0"/>
-                        </a:srgbClr>
-                      </a:solidFill>
+                    <a:lnB algn="ctr" cmpd="sng" cap="flat" w="0">
+                      <a:noFill/>
                       <a:prstDash val="solid"/>
                     </a:lnB>
+                    <a:solidFill>
+                      <a:srgbClr val="FFFFFF">
+                        <a:alpha val="0"/>
+                      </a:srgbClr>
+                    </a:solidFill>
                   </a:tcPr>
                 </a:tc>
                 <a:tc>
@@ -4439,7 +4162,7 @@
                         <a:buNone/>
                       </a:pPr>
                       <a:r>
-                        <a:rPr sz="2400">
+                        <a:rPr cap="none" sz="2400" i="0" b="0" u="none" strike="noStrike">
                           <a:solidFill>
                             <a:srgbClr val="000000">
                               <a:alpha val="100000"/>
@@ -4454,39 +4177,28 @@
                       </a:r>
                     </a:p>
                   </a:txBody>
-                  <a:tcPr anchor="ctr" marB="0" marT="0" marR="0" marL="0">
-                    <a:lnL w="0" cmpd="sng" algn="ctr" cap="flat">
-                      <a:solidFill>
-                        <a:srgbClr val="FFFFFF">
-                          <a:alpha val="0"/>
-                        </a:srgbClr>
-                      </a:solidFill>
+                  <a:tcPr anchor="ctr" marB="63500" marT="63500" marR="0" marL="0">
+                    <a:lnL algn="ctr" cmpd="sng" cap="flat" w="0">
+                      <a:noFill/>
                       <a:prstDash val="solid"/>
                     </a:lnL>
-                    <a:lnR w="0" cmpd="sng" algn="ctr" cap="flat">
-                      <a:solidFill>
-                        <a:srgbClr val="FFFFFF">
-                          <a:alpha val="0"/>
-                        </a:srgbClr>
-                      </a:solidFill>
+                    <a:lnR algn="ctr" cmpd="sng" cap="flat" w="0">
+                      <a:noFill/>
                       <a:prstDash val="solid"/>
                     </a:lnR>
-                    <a:lnT w="0" cmpd="sng" algn="ctr" cap="flat">
-                      <a:solidFill>
-                        <a:srgbClr val="FFFFFF">
-                          <a:alpha val="0"/>
-                        </a:srgbClr>
-                      </a:solidFill>
+                    <a:lnT algn="ctr" cmpd="sng" cap="flat" w="0">
+                      <a:noFill/>
                       <a:prstDash val="solid"/>
                     </a:lnT>
-                    <a:lnB w="0" cmpd="sng" algn="ctr" cap="flat">
-                      <a:solidFill>
-                        <a:srgbClr val="FFFFFF">
-                          <a:alpha val="0"/>
-                        </a:srgbClr>
-                      </a:solidFill>
+                    <a:lnB algn="ctr" cmpd="sng" cap="flat" w="0">
+                      <a:noFill/>
                       <a:prstDash val="solid"/>
                     </a:lnB>
+                    <a:solidFill>
+                      <a:srgbClr val="FFFFFF">
+                        <a:alpha val="0"/>
+                      </a:srgbClr>
+                    </a:solidFill>
                   </a:tcPr>
                 </a:tc>
               </a:tr>
@@ -4509,7 +4221,7 @@
                         <a:buNone/>
                       </a:pPr>
                       <a:r>
-                        <a:rPr sz="2400">
+                        <a:rPr cap="none" sz="2400" i="0" b="0" u="none" strike="noStrike">
                           <a:solidFill>
                             <a:srgbClr val="000000">
                               <a:alpha val="100000"/>
@@ -4524,39 +4236,28 @@
                       </a:r>
                     </a:p>
                   </a:txBody>
-                  <a:tcPr anchor="ctr" marB="0" marT="0" marR="0" marL="0">
-                    <a:lnL w="0" cmpd="sng" algn="ctr" cap="flat">
-                      <a:solidFill>
-                        <a:srgbClr val="FFFFFF">
-                          <a:alpha val="0"/>
-                        </a:srgbClr>
-                      </a:solidFill>
+                  <a:tcPr anchor="ctr" marB="63500" marT="63500" marR="0" marL="0">
+                    <a:lnL algn="ctr" cmpd="sng" cap="flat" w="0">
+                      <a:noFill/>
                       <a:prstDash val="solid"/>
                     </a:lnL>
-                    <a:lnR w="0" cmpd="sng" algn="ctr" cap="flat">
-                      <a:solidFill>
-                        <a:srgbClr val="FFFFFF">
-                          <a:alpha val="0"/>
-                        </a:srgbClr>
-                      </a:solidFill>
+                    <a:lnR algn="ctr" cmpd="sng" cap="flat" w="0">
+                      <a:noFill/>
                       <a:prstDash val="solid"/>
                     </a:lnR>
-                    <a:lnT w="0" cmpd="sng" algn="ctr" cap="flat">
-                      <a:solidFill>
-                        <a:srgbClr val="FFFFFF">
-                          <a:alpha val="0"/>
-                        </a:srgbClr>
-                      </a:solidFill>
+                    <a:lnT algn="ctr" cmpd="sng" cap="flat" w="0">
+                      <a:noFill/>
                       <a:prstDash val="solid"/>
                     </a:lnT>
-                    <a:lnB w="0" cmpd="sng" algn="ctr" cap="flat">
-                      <a:solidFill>
-                        <a:srgbClr val="FFFFFF">
-                          <a:alpha val="0"/>
-                        </a:srgbClr>
-                      </a:solidFill>
+                    <a:lnB algn="ctr" cmpd="sng" cap="flat" w="0">
+                      <a:noFill/>
                       <a:prstDash val="solid"/>
                     </a:lnB>
+                    <a:solidFill>
+                      <a:srgbClr val="FFFFFF">
+                        <a:alpha val="0"/>
+                      </a:srgbClr>
+                    </a:solidFill>
                   </a:tcPr>
                 </a:tc>
                 <a:tc>
@@ -4577,7 +4278,7 @@
                         <a:buNone/>
                       </a:pPr>
                       <a:r>
-                        <a:rPr sz="2400">
+                        <a:rPr cap="none" sz="2400" i="0" b="0" u="none" strike="noStrike">
                           <a:solidFill>
                             <a:srgbClr val="000000">
                               <a:alpha val="100000"/>
@@ -4592,39 +4293,28 @@
                       </a:r>
                     </a:p>
                   </a:txBody>
-                  <a:tcPr anchor="ctr" marB="0" marT="0" marR="0" marL="0">
-                    <a:lnL w="0" cmpd="sng" algn="ctr" cap="flat">
-                      <a:solidFill>
-                        <a:srgbClr val="FFFFFF">
-                          <a:alpha val="0"/>
-                        </a:srgbClr>
-                      </a:solidFill>
+                  <a:tcPr anchor="ctr" marB="63500" marT="63500" marR="0" marL="0">
+                    <a:lnL algn="ctr" cmpd="sng" cap="flat" w="0">
+                      <a:noFill/>
                       <a:prstDash val="solid"/>
                     </a:lnL>
-                    <a:lnR w="0" cmpd="sng" algn="ctr" cap="flat">
-                      <a:solidFill>
-                        <a:srgbClr val="FFFFFF">
-                          <a:alpha val="0"/>
-                        </a:srgbClr>
-                      </a:solidFill>
+                    <a:lnR algn="ctr" cmpd="sng" cap="flat" w="0">
+                      <a:noFill/>
                       <a:prstDash val="solid"/>
                     </a:lnR>
-                    <a:lnT w="0" cmpd="sng" algn="ctr" cap="flat">
-                      <a:solidFill>
-                        <a:srgbClr val="FFFFFF">
-                          <a:alpha val="0"/>
-                        </a:srgbClr>
-                      </a:solidFill>
+                    <a:lnT algn="ctr" cmpd="sng" cap="flat" w="0">
+                      <a:noFill/>
                       <a:prstDash val="solid"/>
                     </a:lnT>
-                    <a:lnB w="0" cmpd="sng" algn="ctr" cap="flat">
-                      <a:solidFill>
-                        <a:srgbClr val="FFFFFF">
-                          <a:alpha val="0"/>
-                        </a:srgbClr>
-                      </a:solidFill>
+                    <a:lnB algn="ctr" cmpd="sng" cap="flat" w="0">
+                      <a:noFill/>
                       <a:prstDash val="solid"/>
                     </a:lnB>
+                    <a:solidFill>
+                      <a:srgbClr val="FFFFFF">
+                        <a:alpha val="0"/>
+                      </a:srgbClr>
+                    </a:solidFill>
                   </a:tcPr>
                 </a:tc>
               </a:tr>
@@ -4647,7 +4337,7 @@
                         <a:buNone/>
                       </a:pPr>
                       <a:r>
-                        <a:rPr sz="2400">
+                        <a:rPr cap="none" sz="2400" i="0" b="0" u="none" strike="noStrike">
                           <a:solidFill>
                             <a:srgbClr val="000000">
                               <a:alpha val="100000"/>
@@ -4662,32 +4352,20 @@
                       </a:r>
                     </a:p>
                   </a:txBody>
-                  <a:tcPr anchor="ctr" marB="0" marT="0" marR="0" marL="0">
-                    <a:lnL w="0" cmpd="sng" algn="ctr" cap="flat">
-                      <a:solidFill>
-                        <a:srgbClr val="FFFFFF">
-                          <a:alpha val="0"/>
-                        </a:srgbClr>
-                      </a:solidFill>
+                  <a:tcPr anchor="ctr" marB="63500" marT="63500" marR="0" marL="0">
+                    <a:lnL algn="ctr" cmpd="sng" cap="flat" w="0">
+                      <a:noFill/>
                       <a:prstDash val="solid"/>
                     </a:lnL>
-                    <a:lnR w="0" cmpd="sng" algn="ctr" cap="flat">
-                      <a:solidFill>
-                        <a:srgbClr val="FFFFFF">
-                          <a:alpha val="0"/>
-                        </a:srgbClr>
-                      </a:solidFill>
+                    <a:lnR algn="ctr" cmpd="sng" cap="flat" w="0">
+                      <a:noFill/>
                       <a:prstDash val="solid"/>
                     </a:lnR>
-                    <a:lnT w="0" cmpd="sng" algn="ctr" cap="flat">
-                      <a:solidFill>
-                        <a:srgbClr val="FFFFFF">
-                          <a:alpha val="0"/>
-                        </a:srgbClr>
-                      </a:solidFill>
+                    <a:lnT algn="ctr" cmpd="sng" cap="flat" w="0">
+                      <a:noFill/>
                       <a:prstDash val="solid"/>
                     </a:lnT>
-                    <a:lnB w="25400" cmpd="sng" algn="ctr" cap="flat">
+                    <a:lnB algn="ctr" cmpd="sng" cap="flat" w="19050">
                       <a:solidFill>
                         <a:srgbClr val="666666">
                           <a:alpha val="100000"/>
@@ -4695,6 +4373,11 @@
                       </a:solidFill>
                       <a:prstDash val="solid"/>
                     </a:lnB>
+                    <a:solidFill>
+                      <a:srgbClr val="FFFFFF">
+                        <a:alpha val="0"/>
+                      </a:srgbClr>
+                    </a:solidFill>
                   </a:tcPr>
                 </a:tc>
                 <a:tc>
@@ -4715,7 +4398,7 @@
                         <a:buNone/>
                       </a:pPr>
                       <a:r>
-                        <a:rPr sz="2400">
+                        <a:rPr cap="none" sz="2400" i="0" b="0" u="none" strike="noStrike">
                           <a:solidFill>
                             <a:srgbClr val="000000">
                               <a:alpha val="100000"/>
@@ -4730,32 +4413,20 @@
                       </a:r>
                     </a:p>
                   </a:txBody>
-                  <a:tcPr anchor="ctr" marB="0" marT="0" marR="0" marL="0">
-                    <a:lnL w="0" cmpd="sng" algn="ctr" cap="flat">
-                      <a:solidFill>
-                        <a:srgbClr val="FFFFFF">
-                          <a:alpha val="0"/>
-                        </a:srgbClr>
-                      </a:solidFill>
+                  <a:tcPr anchor="ctr" marB="63500" marT="63500" marR="0" marL="0">
+                    <a:lnL algn="ctr" cmpd="sng" cap="flat" w="0">
+                      <a:noFill/>
                       <a:prstDash val="solid"/>
                     </a:lnL>
-                    <a:lnR w="0" cmpd="sng" algn="ctr" cap="flat">
-                      <a:solidFill>
-                        <a:srgbClr val="FFFFFF">
-                          <a:alpha val="0"/>
-                        </a:srgbClr>
-                      </a:solidFill>
+                    <a:lnR algn="ctr" cmpd="sng" cap="flat" w="0">
+                      <a:noFill/>
                       <a:prstDash val="solid"/>
                     </a:lnR>
-                    <a:lnT w="0" cmpd="sng" algn="ctr" cap="flat">
-                      <a:solidFill>
-                        <a:srgbClr val="FFFFFF">
-                          <a:alpha val="0"/>
-                        </a:srgbClr>
-                      </a:solidFill>
+                    <a:lnT algn="ctr" cmpd="sng" cap="flat" w="0">
+                      <a:noFill/>
                       <a:prstDash val="solid"/>
                     </a:lnT>
-                    <a:lnB w="25400" cmpd="sng" algn="ctr" cap="flat">
+                    <a:lnB algn="ctr" cmpd="sng" cap="flat" w="19050">
                       <a:solidFill>
                         <a:srgbClr val="666666">
                           <a:alpha val="100000"/>
@@ -4763,6 +4434,11 @@
                       </a:solidFill>
                       <a:prstDash val="solid"/>
                     </a:lnB>
+                    <a:solidFill>
+                      <a:srgbClr val="FFFFFF">
+                        <a:alpha val="0"/>
+                      </a:srgbClr>
+                    </a:solidFill>
                   </a:tcPr>
                 </a:tc>
               </a:tr>
